--- a/Slides/Clase_14_2018.pptx
+++ b/Slides/Clase_14_2018.pptx
@@ -5,61 +5,50 @@
     <p:sldMasterId id="2147483657" r:id="rId1"/>
   </p:sldMasterIdLst>
   <p:notesMasterIdLst>
-    <p:notesMasterId r:id="rId30"/>
+    <p:notesMasterId r:id="rId19"/>
   </p:notesMasterIdLst>
   <p:sldIdLst>
     <p:sldId id="256" r:id="rId2"/>
-    <p:sldId id="346" r:id="rId3"/>
-    <p:sldId id="612" r:id="rId4"/>
-    <p:sldId id="636" r:id="rId5"/>
-    <p:sldId id="637" r:id="rId6"/>
-    <p:sldId id="638" r:id="rId7"/>
-    <p:sldId id="639" r:id="rId8"/>
-    <p:sldId id="640" r:id="rId9"/>
-    <p:sldId id="641" r:id="rId10"/>
-    <p:sldId id="642" r:id="rId11"/>
-    <p:sldId id="643" r:id="rId12"/>
-    <p:sldId id="644" r:id="rId13"/>
-    <p:sldId id="645" r:id="rId14"/>
-    <p:sldId id="646" r:id="rId15"/>
-    <p:sldId id="524" r:id="rId16"/>
-    <p:sldId id="614" r:id="rId17"/>
-    <p:sldId id="647" r:id="rId18"/>
-    <p:sldId id="648" r:id="rId19"/>
-    <p:sldId id="649" r:id="rId20"/>
-    <p:sldId id="650" r:id="rId21"/>
-    <p:sldId id="651" r:id="rId22"/>
-    <p:sldId id="652" r:id="rId23"/>
-    <p:sldId id="653" r:id="rId24"/>
-    <p:sldId id="654" r:id="rId25"/>
-    <p:sldId id="655" r:id="rId26"/>
-    <p:sldId id="656" r:id="rId27"/>
-    <p:sldId id="657" r:id="rId28"/>
-    <p:sldId id="371" r:id="rId29"/>
+    <p:sldId id="646" r:id="rId3"/>
+    <p:sldId id="524" r:id="rId4"/>
+    <p:sldId id="648" r:id="rId5"/>
+    <p:sldId id="654" r:id="rId6"/>
+    <p:sldId id="655" r:id="rId7"/>
+    <p:sldId id="656" r:id="rId8"/>
+    <p:sldId id="657" r:id="rId9"/>
+    <p:sldId id="659" r:id="rId10"/>
+    <p:sldId id="661" r:id="rId11"/>
+    <p:sldId id="662" r:id="rId12"/>
+    <p:sldId id="663" r:id="rId13"/>
+    <p:sldId id="664" r:id="rId14"/>
+    <p:sldId id="665" r:id="rId15"/>
+    <p:sldId id="666" r:id="rId16"/>
+    <p:sldId id="660" r:id="rId17"/>
+    <p:sldId id="371" r:id="rId18"/>
   </p:sldIdLst>
   <p:sldSz cx="9144000" cy="5143500" type="screen16x9"/>
   <p:notesSz cx="6858000" cy="9144000"/>
   <p:embeddedFontLst>
     <p:embeddedFont>
-      <p:font typeface="Arvo" panose="020B0604020202020204" charset="0"/>
-      <p:regular r:id="rId31"/>
-      <p:bold r:id="rId32"/>
-      <p:italic r:id="rId33"/>
-      <p:boldItalic r:id="rId34"/>
+      <p:font typeface="Roboto Condensed" panose="020B0604020202020204" charset="0"/>
+      <p:regular r:id="rId20"/>
+      <p:bold r:id="rId21"/>
+      <p:italic r:id="rId22"/>
+      <p:boldItalic r:id="rId23"/>
     </p:embeddedFont>
     <p:embeddedFont>
       <p:font typeface="Roboto Condensed Light" panose="020B0604020202020204" charset="0"/>
-      <p:regular r:id="rId35"/>
-      <p:bold r:id="rId36"/>
-      <p:italic r:id="rId37"/>
-      <p:boldItalic r:id="rId38"/>
+      <p:regular r:id="rId24"/>
+      <p:bold r:id="rId25"/>
+      <p:italic r:id="rId26"/>
+      <p:boldItalic r:id="rId27"/>
     </p:embeddedFont>
     <p:embeddedFont>
-      <p:font typeface="Roboto Condensed" panose="020B0604020202020204" charset="0"/>
-      <p:regular r:id="rId39"/>
-      <p:bold r:id="rId40"/>
-      <p:italic r:id="rId41"/>
-      <p:boldItalic r:id="rId42"/>
+      <p:font typeface="Arvo" panose="020B0604020202020204" charset="0"/>
+      <p:regular r:id="rId28"/>
+      <p:bold r:id="rId29"/>
+      <p:italic r:id="rId30"/>
+      <p:boldItalic r:id="rId31"/>
     </p:embeddedFont>
   </p:embeddedFontLst>
   <p:defaultTextStyle>
@@ -951,7 +940,7 @@
     </p:spTree>
     <p:extLst>
       <p:ext uri="{BB962C8B-B14F-4D97-AF65-F5344CB8AC3E}">
-        <p14:creationId xmlns:p14="http://schemas.microsoft.com/office/powerpoint/2010/main" val="1540300106"/>
+        <p14:creationId xmlns:p14="http://schemas.microsoft.com/office/powerpoint/2010/main" val="236257587"/>
       </p:ext>
     </p:extLst>
   </p:cSld>
@@ -1060,7 +1049,7 @@
     </p:spTree>
     <p:extLst>
       <p:ext uri="{BB962C8B-B14F-4D97-AF65-F5344CB8AC3E}">
-        <p14:creationId xmlns:p14="http://schemas.microsoft.com/office/powerpoint/2010/main" val="236257587"/>
+        <p14:creationId xmlns:p14="http://schemas.microsoft.com/office/powerpoint/2010/main" val="1020590107"/>
       </p:ext>
     </p:extLst>
   </p:cSld>
@@ -3594,7 +3583,7 @@
           <a:p>
             <a:fld id="{00DBF6A6-50B5-43C4-86A5-B2443BF00A40}" type="datetimeFigureOut">
               <a:rPr lang="en-US" smtClean="0"/>
-              <a:t>10/22/2018</a:t>
+              <a:t>10/24/2018</a:t>
             </a:fld>
             <a:endParaRPr lang="en-US"/>
           </a:p>
@@ -5189,7 +5178,7 @@
       </p:grpSpPr>
       <p:sp>
         <p:nvSpPr>
-          <p:cNvPr id="2" name="Título 1"/>
+          <p:cNvPr id="5" name="Título 4"/>
           <p:cNvSpPr>
             <a:spLocks noGrp="1"/>
           </p:cNvSpPr>
@@ -5202,43 +5191,9 @@
           <a:bodyPr/>
           <a:lstStyle/>
           <a:p>
-            <a:endParaRPr lang="es-MX"/>
-          </a:p>
-        </p:txBody>
-      </p:sp>
-      <p:sp>
-        <p:nvSpPr>
-          <p:cNvPr id="3" name="Marcador de texto 2"/>
-          <p:cNvSpPr>
-            <a:spLocks noGrp="1"/>
-          </p:cNvSpPr>
-          <p:nvPr>
-            <p:ph type="body" idx="1"/>
-          </p:nvPr>
-        </p:nvSpPr>
-        <p:spPr/>
-        <p:txBody>
-          <a:bodyPr/>
-          <a:lstStyle/>
-          <a:p>
             <a:r>
               <a:rPr lang="es-MX" dirty="0" smtClean="0"/>
-              <a:t>Se puede obtener información acerca del número de </a:t>
-            </a:r>
-            <a:r>
-              <a:rPr lang="es-MX" dirty="0" err="1" smtClean="0"/>
-              <a:t>Oscares</a:t>
-            </a:r>
-            <a:r>
-              <a:rPr lang="es-MX" dirty="0" smtClean="0"/>
-              <a:t> que ganó cada película?</a:t>
-            </a:r>
-          </a:p>
-          <a:p>
-            <a:pPr lvl="1"/>
-            <a:r>
-              <a:rPr lang="es-MX" dirty="0" smtClean="0"/>
-              <a:t>No</a:t>
+              <a:t>Base De Datos Ejemplo</a:t>
             </a:r>
             <a:endParaRPr lang="es-MX" dirty="0"/>
           </a:p>
@@ -5276,10 +5231,1019 @@
           </a:p>
         </p:txBody>
       </p:sp>
+      <p:graphicFrame>
+        <p:nvGraphicFramePr>
+          <p:cNvPr id="7" name="Tabla 6"/>
+          <p:cNvGraphicFramePr>
+            <a:graphicFrameLocks noGrp="1"/>
+          </p:cNvGraphicFramePr>
+          <p:nvPr>
+            <p:extLst>
+              <p:ext uri="{D42A27DB-BD31-4B8C-83A1-F6EECF244321}">
+                <p14:modId xmlns:p14="http://schemas.microsoft.com/office/powerpoint/2010/main" val="3390959301"/>
+              </p:ext>
+            </p:extLst>
+          </p:nvPr>
+        </p:nvGraphicFramePr>
+        <p:xfrm>
+          <a:off x="1227139" y="1560831"/>
+          <a:ext cx="5268911" cy="1220633"/>
+        </p:xfrm>
+        <a:graphic>
+          <a:graphicData uri="http://schemas.openxmlformats.org/drawingml/2006/table">
+            <a:tbl>
+              <a:tblPr firstRow="1" bandRow="1">
+                <a:tableStyleId>{793D81CF-94F2-401A-BA57-92F5A7B2D0C5}</a:tableStyleId>
+              </a:tblPr>
+              <a:tblGrid>
+                <a:gridCol w="944561">
+                  <a:extLst>
+                    <a:ext uri="{9D8B030D-6E8A-4147-A177-3AD203B41FA5}">
+                      <a16:colId xmlns:a16="http://schemas.microsoft.com/office/drawing/2014/main" val="2526592224"/>
+                    </a:ext>
+                  </a:extLst>
+                </a:gridCol>
+                <a:gridCol w="1143000">
+                  <a:extLst>
+                    <a:ext uri="{9D8B030D-6E8A-4147-A177-3AD203B41FA5}">
+                      <a16:colId xmlns:a16="http://schemas.microsoft.com/office/drawing/2014/main" val="4214407862"/>
+                    </a:ext>
+                  </a:extLst>
+                </a:gridCol>
+                <a:gridCol w="1460500">
+                  <a:extLst>
+                    <a:ext uri="{9D8B030D-6E8A-4147-A177-3AD203B41FA5}">
+                      <a16:colId xmlns:a16="http://schemas.microsoft.com/office/drawing/2014/main" val="3057425262"/>
+                    </a:ext>
+                  </a:extLst>
+                </a:gridCol>
+                <a:gridCol w="660400">
+                  <a:extLst>
+                    <a:ext uri="{9D8B030D-6E8A-4147-A177-3AD203B41FA5}">
+                      <a16:colId xmlns:a16="http://schemas.microsoft.com/office/drawing/2014/main" val="2944454021"/>
+                    </a:ext>
+                  </a:extLst>
+                </a:gridCol>
+                <a:gridCol w="1060450">
+                  <a:extLst>
+                    <a:ext uri="{9D8B030D-6E8A-4147-A177-3AD203B41FA5}">
+                      <a16:colId xmlns:a16="http://schemas.microsoft.com/office/drawing/2014/main" val="145524254"/>
+                    </a:ext>
+                  </a:extLst>
+                </a:gridCol>
+              </a:tblGrid>
+              <a:tr h="0">
+                <a:tc>
+                  <a:txBody>
+                    <a:bodyPr/>
+                    <a:lstStyle/>
+                    <a:p>
+                      <a:r>
+                        <a:rPr lang="es-MX" sz="1200" dirty="0" smtClean="0"/>
+                        <a:t>SID</a:t>
+                      </a:r>
+                      <a:endParaRPr lang="es-MX" sz="1200" dirty="0"/>
+                    </a:p>
+                  </a:txBody>
+                  <a:tcPr/>
+                </a:tc>
+                <a:tc>
+                  <a:txBody>
+                    <a:bodyPr/>
+                    <a:lstStyle/>
+                    <a:p>
+                      <a:r>
+                        <a:rPr lang="es-MX" sz="1200" dirty="0" smtClean="0"/>
+                        <a:t>Nombre</a:t>
+                      </a:r>
+                      <a:endParaRPr lang="es-MX" sz="1200" dirty="0"/>
+                    </a:p>
+                  </a:txBody>
+                  <a:tcPr/>
+                </a:tc>
+                <a:tc>
+                  <a:txBody>
+                    <a:bodyPr/>
+                    <a:lstStyle/>
+                    <a:p>
+                      <a:r>
+                        <a:rPr lang="es-MX" sz="1200" dirty="0" err="1" smtClean="0"/>
+                        <a:t>login</a:t>
+                      </a:r>
+                      <a:endParaRPr lang="es-MX" sz="1200" dirty="0"/>
+                    </a:p>
+                  </a:txBody>
+                  <a:tcPr/>
+                </a:tc>
+                <a:tc>
+                  <a:txBody>
+                    <a:bodyPr/>
+                    <a:lstStyle/>
+                    <a:p>
+                      <a:r>
+                        <a:rPr lang="es-MX" sz="1200" dirty="0" smtClean="0"/>
+                        <a:t>Edad</a:t>
+                      </a:r>
+                      <a:endParaRPr lang="es-MX" sz="1200" dirty="0"/>
+                    </a:p>
+                  </a:txBody>
+                  <a:tcPr/>
+                </a:tc>
+                <a:tc>
+                  <a:txBody>
+                    <a:bodyPr/>
+                    <a:lstStyle/>
+                    <a:p>
+                      <a:r>
+                        <a:rPr lang="es-MX" sz="1200" dirty="0" smtClean="0"/>
+                        <a:t>Promedio</a:t>
+                      </a:r>
+                      <a:endParaRPr lang="es-MX" sz="1200" dirty="0"/>
+                    </a:p>
+                  </a:txBody>
+                  <a:tcPr/>
+                </a:tc>
+                <a:extLst>
+                  <a:ext uri="{0D108BD9-81ED-4DB2-BD59-A6C34878D82A}">
+                    <a16:rowId xmlns:a16="http://schemas.microsoft.com/office/drawing/2014/main" val="2801701646"/>
+                  </a:ext>
+                </a:extLst>
+              </a:tr>
+              <a:tr h="267492">
+                <a:tc>
+                  <a:txBody>
+                    <a:bodyPr/>
+                    <a:lstStyle/>
+                    <a:p>
+                      <a:r>
+                        <a:rPr lang="es-MX" sz="1200" dirty="0" smtClean="0"/>
+                        <a:t>123456</a:t>
+                      </a:r>
+                      <a:endParaRPr lang="es-MX" sz="1200" dirty="0"/>
+                    </a:p>
+                  </a:txBody>
+                  <a:tcPr/>
+                </a:tc>
+                <a:tc>
+                  <a:txBody>
+                    <a:bodyPr/>
+                    <a:lstStyle/>
+                    <a:p>
+                      <a:r>
+                        <a:rPr lang="es-MX" sz="1200" dirty="0" smtClean="0"/>
+                        <a:t>Shakira</a:t>
+                      </a:r>
+                      <a:endParaRPr lang="es-MX" sz="1200" dirty="0"/>
+                    </a:p>
+                  </a:txBody>
+                  <a:tcPr/>
+                </a:tc>
+                <a:tc>
+                  <a:txBody>
+                    <a:bodyPr/>
+                    <a:lstStyle/>
+                    <a:p>
+                      <a:r>
+                        <a:rPr lang="es-MX" sz="1200" dirty="0" err="1" smtClean="0"/>
+                        <a:t>shakira@up</a:t>
+                      </a:r>
+                      <a:endParaRPr lang="es-MX" sz="1200" dirty="0"/>
+                    </a:p>
+                  </a:txBody>
+                  <a:tcPr/>
+                </a:tc>
+                <a:tc>
+                  <a:txBody>
+                    <a:bodyPr/>
+                    <a:lstStyle/>
+                    <a:p>
+                      <a:r>
+                        <a:rPr lang="es-MX" sz="1200" dirty="0" smtClean="0"/>
+                        <a:t>41</a:t>
+                      </a:r>
+                      <a:endParaRPr lang="es-MX" sz="1200" dirty="0"/>
+                    </a:p>
+                  </a:txBody>
+                  <a:tcPr/>
+                </a:tc>
+                <a:tc>
+                  <a:txBody>
+                    <a:bodyPr/>
+                    <a:lstStyle/>
+                    <a:p>
+                      <a:r>
+                        <a:rPr lang="es-MX" sz="1200" dirty="0" smtClean="0"/>
+                        <a:t>8.6</a:t>
+                      </a:r>
+                      <a:endParaRPr lang="es-MX" sz="1200" dirty="0"/>
+                    </a:p>
+                  </a:txBody>
+                  <a:tcPr/>
+                </a:tc>
+                <a:extLst>
+                  <a:ext uri="{0D108BD9-81ED-4DB2-BD59-A6C34878D82A}">
+                    <a16:rowId xmlns:a16="http://schemas.microsoft.com/office/drawing/2014/main" val="210288011"/>
+                  </a:ext>
+                </a:extLst>
+              </a:tr>
+              <a:tr h="267492">
+                <a:tc>
+                  <a:txBody>
+                    <a:bodyPr/>
+                    <a:lstStyle/>
+                    <a:p>
+                      <a:r>
+                        <a:rPr lang="es-MX" sz="1200" dirty="0" smtClean="0"/>
+                        <a:t>325654</a:t>
+                      </a:r>
+                      <a:endParaRPr lang="es-MX" sz="1200" dirty="0"/>
+                    </a:p>
+                  </a:txBody>
+                  <a:tcPr/>
+                </a:tc>
+                <a:tc>
+                  <a:txBody>
+                    <a:bodyPr/>
+                    <a:lstStyle/>
+                    <a:p>
+                      <a:r>
+                        <a:rPr lang="es-MX" sz="1200" dirty="0" err="1" smtClean="0"/>
+                        <a:t>LuisMi</a:t>
+                      </a:r>
+                      <a:endParaRPr lang="es-MX" sz="1200" dirty="0"/>
+                    </a:p>
+                  </a:txBody>
+                  <a:tcPr/>
+                </a:tc>
+                <a:tc>
+                  <a:txBody>
+                    <a:bodyPr/>
+                    <a:lstStyle/>
+                    <a:p>
+                      <a:r>
+                        <a:rPr lang="es-MX" sz="1200" dirty="0" err="1" smtClean="0"/>
+                        <a:t>luismi@up</a:t>
+                      </a:r>
+                      <a:endParaRPr lang="es-MX" sz="1200" dirty="0"/>
+                    </a:p>
+                  </a:txBody>
+                  <a:tcPr/>
+                </a:tc>
+                <a:tc>
+                  <a:txBody>
+                    <a:bodyPr/>
+                    <a:lstStyle/>
+                    <a:p>
+                      <a:r>
+                        <a:rPr lang="es-MX" sz="1200" dirty="0" smtClean="0"/>
+                        <a:t>48</a:t>
+                      </a:r>
+                      <a:endParaRPr lang="es-MX" sz="1200" dirty="0"/>
+                    </a:p>
+                  </a:txBody>
+                  <a:tcPr/>
+                </a:tc>
+                <a:tc>
+                  <a:txBody>
+                    <a:bodyPr/>
+                    <a:lstStyle/>
+                    <a:p>
+                      <a:r>
+                        <a:rPr lang="es-MX" sz="1200" dirty="0" smtClean="0"/>
+                        <a:t>7.5</a:t>
+                      </a:r>
+                      <a:endParaRPr lang="es-MX" sz="1200" dirty="0"/>
+                    </a:p>
+                  </a:txBody>
+                  <a:tcPr/>
+                </a:tc>
+                <a:extLst>
+                  <a:ext uri="{0D108BD9-81ED-4DB2-BD59-A6C34878D82A}">
+                    <a16:rowId xmlns:a16="http://schemas.microsoft.com/office/drawing/2014/main" val="3513492694"/>
+                  </a:ext>
+                </a:extLst>
+              </a:tr>
+              <a:tr h="397673">
+                <a:tc>
+                  <a:txBody>
+                    <a:bodyPr/>
+                    <a:lstStyle/>
+                    <a:p>
+                      <a:r>
+                        <a:rPr lang="es-MX" sz="1200" dirty="0" smtClean="0"/>
+                        <a:t>845624</a:t>
+                      </a:r>
+                      <a:endParaRPr lang="es-MX" sz="1200" dirty="0"/>
+                    </a:p>
+                  </a:txBody>
+                  <a:tcPr/>
+                </a:tc>
+                <a:tc>
+                  <a:txBody>
+                    <a:bodyPr/>
+                    <a:lstStyle/>
+                    <a:p>
+                      <a:r>
+                        <a:rPr lang="es-MX" sz="1200" dirty="0" err="1" smtClean="0"/>
+                        <a:t>Maluma</a:t>
+                      </a:r>
+                      <a:endParaRPr lang="es-MX" sz="1200" dirty="0"/>
+                    </a:p>
+                  </a:txBody>
+                  <a:tcPr/>
+                </a:tc>
+                <a:tc>
+                  <a:txBody>
+                    <a:bodyPr/>
+                    <a:lstStyle/>
+                    <a:p>
+                      <a:r>
+                        <a:rPr lang="es-MX" sz="1200" dirty="0" err="1" smtClean="0"/>
+                        <a:t>maluma@ags.up</a:t>
+                      </a:r>
+                      <a:endParaRPr lang="es-MX" sz="1200" dirty="0"/>
+                    </a:p>
+                  </a:txBody>
+                  <a:tcPr/>
+                </a:tc>
+                <a:tc>
+                  <a:txBody>
+                    <a:bodyPr/>
+                    <a:lstStyle/>
+                    <a:p>
+                      <a:r>
+                        <a:rPr lang="es-MX" sz="1200" dirty="0" smtClean="0"/>
+                        <a:t>24</a:t>
+                      </a:r>
+                      <a:endParaRPr lang="es-MX" sz="1200" dirty="0"/>
+                    </a:p>
+                  </a:txBody>
+                  <a:tcPr/>
+                </a:tc>
+                <a:tc>
+                  <a:txBody>
+                    <a:bodyPr/>
+                    <a:lstStyle/>
+                    <a:p>
+                      <a:r>
+                        <a:rPr lang="es-MX" sz="1200" dirty="0" smtClean="0"/>
+                        <a:t>6.2</a:t>
+                      </a:r>
+                      <a:endParaRPr lang="es-MX" sz="1200" dirty="0"/>
+                    </a:p>
+                  </a:txBody>
+                  <a:tcPr/>
+                </a:tc>
+                <a:extLst>
+                  <a:ext uri="{0D108BD9-81ED-4DB2-BD59-A6C34878D82A}">
+                    <a16:rowId xmlns:a16="http://schemas.microsoft.com/office/drawing/2014/main" val="1559799133"/>
+                  </a:ext>
+                </a:extLst>
+              </a:tr>
+            </a:tbl>
+          </a:graphicData>
+        </a:graphic>
+      </p:graphicFrame>
+      <p:graphicFrame>
+        <p:nvGraphicFramePr>
+          <p:cNvPr id="8" name="Tabla 7"/>
+          <p:cNvGraphicFramePr>
+            <a:graphicFrameLocks noGrp="1"/>
+          </p:cNvGraphicFramePr>
+          <p:nvPr>
+            <p:extLst>
+              <p:ext uri="{D42A27DB-BD31-4B8C-83A1-F6EECF244321}">
+                <p14:modId xmlns:p14="http://schemas.microsoft.com/office/powerpoint/2010/main" val="663326159"/>
+              </p:ext>
+            </p:extLst>
+          </p:nvPr>
+        </p:nvGraphicFramePr>
+        <p:xfrm>
+          <a:off x="433388" y="3285711"/>
+          <a:ext cx="2438400" cy="1182927"/>
+        </p:xfrm>
+        <a:graphic>
+          <a:graphicData uri="http://schemas.openxmlformats.org/drawingml/2006/table">
+            <a:tbl>
+              <a:tblPr firstRow="1" bandRow="1">
+                <a:tableStyleId>{793D81CF-94F2-401A-BA57-92F5A7B2D0C5}</a:tableStyleId>
+              </a:tblPr>
+              <a:tblGrid>
+                <a:gridCol w="1219200">
+                  <a:extLst>
+                    <a:ext uri="{9D8B030D-6E8A-4147-A177-3AD203B41FA5}">
+                      <a16:colId xmlns:a16="http://schemas.microsoft.com/office/drawing/2014/main" val="515576039"/>
+                    </a:ext>
+                  </a:extLst>
+                </a:gridCol>
+                <a:gridCol w="1219200">
+                  <a:extLst>
+                    <a:ext uri="{9D8B030D-6E8A-4147-A177-3AD203B41FA5}">
+                      <a16:colId xmlns:a16="http://schemas.microsoft.com/office/drawing/2014/main" val="4077545942"/>
+                    </a:ext>
+                  </a:extLst>
+                </a:gridCol>
+              </a:tblGrid>
+              <a:tr h="257149">
+                <a:tc>
+                  <a:txBody>
+                    <a:bodyPr/>
+                    <a:lstStyle/>
+                    <a:p>
+                      <a:r>
+                        <a:rPr lang="es-MX" sz="1050" dirty="0" smtClean="0"/>
+                        <a:t>CID</a:t>
+                      </a:r>
+                      <a:endParaRPr lang="es-MX" sz="1050" dirty="0"/>
+                    </a:p>
+                  </a:txBody>
+                  <a:tcPr/>
+                </a:tc>
+                <a:tc>
+                  <a:txBody>
+                    <a:bodyPr/>
+                    <a:lstStyle/>
+                    <a:p>
+                      <a:r>
+                        <a:rPr lang="es-MX" sz="1050" dirty="0" smtClean="0"/>
+                        <a:t>Nombre</a:t>
+                      </a:r>
+                      <a:endParaRPr lang="es-MX" sz="1050" dirty="0"/>
+                    </a:p>
+                  </a:txBody>
+                  <a:tcPr/>
+                </a:tc>
+                <a:extLst>
+                  <a:ext uri="{0D108BD9-81ED-4DB2-BD59-A6C34878D82A}">
+                    <a16:rowId xmlns:a16="http://schemas.microsoft.com/office/drawing/2014/main" val="2914086180"/>
+                  </a:ext>
+                </a:extLst>
+              </a:tr>
+              <a:tr h="257149">
+                <a:tc>
+                  <a:txBody>
+                    <a:bodyPr/>
+                    <a:lstStyle/>
+                    <a:p>
+                      <a:r>
+                        <a:rPr lang="es-MX" sz="1050" dirty="0" smtClean="0"/>
+                        <a:t>15-1</a:t>
+                      </a:r>
+                      <a:endParaRPr lang="es-MX" sz="1050" dirty="0"/>
+                    </a:p>
+                  </a:txBody>
+                  <a:tcPr/>
+                </a:tc>
+                <a:tc>
+                  <a:txBody>
+                    <a:bodyPr/>
+                    <a:lstStyle/>
+                    <a:p>
+                      <a:r>
+                        <a:rPr lang="es-MX" sz="1050" dirty="0" smtClean="0"/>
+                        <a:t>Bases de Datos</a:t>
+                      </a:r>
+                      <a:endParaRPr lang="es-MX" sz="1050" dirty="0"/>
+                    </a:p>
+                  </a:txBody>
+                  <a:tcPr/>
+                </a:tc>
+                <a:extLst>
+                  <a:ext uri="{0D108BD9-81ED-4DB2-BD59-A6C34878D82A}">
+                    <a16:rowId xmlns:a16="http://schemas.microsoft.com/office/drawing/2014/main" val="332486625"/>
+                  </a:ext>
+                </a:extLst>
+              </a:tr>
+              <a:tr h="285329">
+                <a:tc>
+                  <a:txBody>
+                    <a:bodyPr/>
+                    <a:lstStyle/>
+                    <a:p>
+                      <a:r>
+                        <a:rPr lang="es-MX" sz="1050" dirty="0" smtClean="0"/>
+                        <a:t>15-2</a:t>
+                      </a:r>
+                      <a:endParaRPr lang="es-MX" sz="1050" dirty="0"/>
+                    </a:p>
+                  </a:txBody>
+                  <a:tcPr/>
+                </a:tc>
+                <a:tc>
+                  <a:txBody>
+                    <a:bodyPr/>
+                    <a:lstStyle/>
+                    <a:p>
+                      <a:r>
+                        <a:rPr lang="es-MX" sz="1050" dirty="0" smtClean="0"/>
+                        <a:t>Programación Avanzada</a:t>
+                      </a:r>
+                      <a:endParaRPr lang="es-MX" sz="1050" dirty="0"/>
+                    </a:p>
+                  </a:txBody>
+                  <a:tcPr/>
+                </a:tc>
+                <a:extLst>
+                  <a:ext uri="{0D108BD9-81ED-4DB2-BD59-A6C34878D82A}">
+                    <a16:rowId xmlns:a16="http://schemas.microsoft.com/office/drawing/2014/main" val="1440598642"/>
+                  </a:ext>
+                </a:extLst>
+              </a:tr>
+              <a:tr h="257149">
+                <a:tc>
+                  <a:txBody>
+                    <a:bodyPr/>
+                    <a:lstStyle/>
+                    <a:p>
+                      <a:r>
+                        <a:rPr lang="es-MX" sz="1050" dirty="0" smtClean="0"/>
+                        <a:t>15-3</a:t>
+                      </a:r>
+                      <a:endParaRPr lang="es-MX" sz="1050" dirty="0"/>
+                    </a:p>
+                  </a:txBody>
+                  <a:tcPr/>
+                </a:tc>
+                <a:tc>
+                  <a:txBody>
+                    <a:bodyPr/>
+                    <a:lstStyle/>
+                    <a:p>
+                      <a:r>
+                        <a:rPr lang="es-MX" sz="1050" dirty="0" smtClean="0"/>
+                        <a:t>Minería de Datos</a:t>
+                      </a:r>
+                      <a:endParaRPr lang="es-MX" sz="1050" dirty="0"/>
+                    </a:p>
+                  </a:txBody>
+                  <a:tcPr/>
+                </a:tc>
+                <a:extLst>
+                  <a:ext uri="{0D108BD9-81ED-4DB2-BD59-A6C34878D82A}">
+                    <a16:rowId xmlns:a16="http://schemas.microsoft.com/office/drawing/2014/main" val="1528190003"/>
+                  </a:ext>
+                </a:extLst>
+              </a:tr>
+            </a:tbl>
+          </a:graphicData>
+        </a:graphic>
+      </p:graphicFrame>
+      <p:graphicFrame>
+        <p:nvGraphicFramePr>
+          <p:cNvPr id="9" name="Tabla 8"/>
+          <p:cNvGraphicFramePr>
+            <a:graphicFrameLocks noGrp="1"/>
+          </p:cNvGraphicFramePr>
+          <p:nvPr>
+            <p:extLst>
+              <p:ext uri="{D42A27DB-BD31-4B8C-83A1-F6EECF244321}">
+                <p14:modId xmlns:p14="http://schemas.microsoft.com/office/powerpoint/2010/main" val="2956752329"/>
+              </p:ext>
+            </p:extLst>
+          </p:nvPr>
+        </p:nvGraphicFramePr>
+        <p:xfrm>
+          <a:off x="3345200" y="3239820"/>
+          <a:ext cx="3657600" cy="1554480"/>
+        </p:xfrm>
+        <a:graphic>
+          <a:graphicData uri="http://schemas.openxmlformats.org/drawingml/2006/table">
+            <a:tbl>
+              <a:tblPr firstRow="1" bandRow="1">
+                <a:tableStyleId>{793D81CF-94F2-401A-BA57-92F5A7B2D0C5}</a:tableStyleId>
+              </a:tblPr>
+              <a:tblGrid>
+                <a:gridCol w="1219200">
+                  <a:extLst>
+                    <a:ext uri="{9D8B030D-6E8A-4147-A177-3AD203B41FA5}">
+                      <a16:colId xmlns:a16="http://schemas.microsoft.com/office/drawing/2014/main" val="3899056812"/>
+                    </a:ext>
+                  </a:extLst>
+                </a:gridCol>
+                <a:gridCol w="1219200">
+                  <a:extLst>
+                    <a:ext uri="{9D8B030D-6E8A-4147-A177-3AD203B41FA5}">
+                      <a16:colId xmlns:a16="http://schemas.microsoft.com/office/drawing/2014/main" val="459620507"/>
+                    </a:ext>
+                  </a:extLst>
+                </a:gridCol>
+                <a:gridCol w="1219200">
+                  <a:extLst>
+                    <a:ext uri="{9D8B030D-6E8A-4147-A177-3AD203B41FA5}">
+                      <a16:colId xmlns:a16="http://schemas.microsoft.com/office/drawing/2014/main" val="932270588"/>
+                    </a:ext>
+                  </a:extLst>
+                </a:gridCol>
+              </a:tblGrid>
+              <a:tr h="246674">
+                <a:tc>
+                  <a:txBody>
+                    <a:bodyPr/>
+                    <a:lstStyle/>
+                    <a:p>
+                      <a:pPr algn="ctr"/>
+                      <a:r>
+                        <a:rPr lang="es-MX" sz="1100" dirty="0" smtClean="0"/>
+                        <a:t>SID</a:t>
+                      </a:r>
+                      <a:endParaRPr lang="es-MX" sz="1100" dirty="0"/>
+                    </a:p>
+                  </a:txBody>
+                  <a:tcPr/>
+                </a:tc>
+                <a:tc>
+                  <a:txBody>
+                    <a:bodyPr/>
+                    <a:lstStyle/>
+                    <a:p>
+                      <a:pPr algn="ctr"/>
+                      <a:r>
+                        <a:rPr lang="es-MX" sz="1100" dirty="0" smtClean="0"/>
+                        <a:t>CID</a:t>
+                      </a:r>
+                      <a:endParaRPr lang="es-MX" sz="1100" dirty="0"/>
+                    </a:p>
+                  </a:txBody>
+                  <a:tcPr/>
+                </a:tc>
+                <a:tc>
+                  <a:txBody>
+                    <a:bodyPr/>
+                    <a:lstStyle/>
+                    <a:p>
+                      <a:pPr algn="ctr"/>
+                      <a:r>
+                        <a:rPr lang="es-MX" sz="1100" dirty="0" smtClean="0"/>
+                        <a:t>Calificación</a:t>
+                      </a:r>
+                      <a:endParaRPr lang="es-MX" sz="1100" dirty="0"/>
+                    </a:p>
+                  </a:txBody>
+                  <a:tcPr/>
+                </a:tc>
+                <a:extLst>
+                  <a:ext uri="{0D108BD9-81ED-4DB2-BD59-A6C34878D82A}">
+                    <a16:rowId xmlns:a16="http://schemas.microsoft.com/office/drawing/2014/main" val="702811945"/>
+                  </a:ext>
+                </a:extLst>
+              </a:tr>
+              <a:tr h="246674">
+                <a:tc>
+                  <a:txBody>
+                    <a:bodyPr/>
+                    <a:lstStyle/>
+                    <a:p>
+                      <a:pPr algn="ctr"/>
+                      <a:r>
+                        <a:rPr lang="es-MX" sz="1100" dirty="0" smtClean="0"/>
+                        <a:t>123456</a:t>
+                      </a:r>
+                      <a:endParaRPr lang="es-MX" sz="1100" dirty="0"/>
+                    </a:p>
+                  </a:txBody>
+                  <a:tcPr/>
+                </a:tc>
+                <a:tc>
+                  <a:txBody>
+                    <a:bodyPr/>
+                    <a:lstStyle/>
+                    <a:p>
+                      <a:pPr algn="ctr"/>
+                      <a:r>
+                        <a:rPr lang="es-MX" sz="1100" dirty="0" smtClean="0"/>
+                        <a:t>15-1</a:t>
+                      </a:r>
+                      <a:endParaRPr lang="es-MX" sz="1100" dirty="0"/>
+                    </a:p>
+                  </a:txBody>
+                  <a:tcPr/>
+                </a:tc>
+                <a:tc>
+                  <a:txBody>
+                    <a:bodyPr/>
+                    <a:lstStyle/>
+                    <a:p>
+                      <a:pPr algn="ctr"/>
+                      <a:r>
+                        <a:rPr lang="es-MX" sz="1100" dirty="0" smtClean="0"/>
+                        <a:t>10</a:t>
+                      </a:r>
+                      <a:endParaRPr lang="es-MX" sz="1100" dirty="0"/>
+                    </a:p>
+                  </a:txBody>
+                  <a:tcPr/>
+                </a:tc>
+                <a:extLst>
+                  <a:ext uri="{0D108BD9-81ED-4DB2-BD59-A6C34878D82A}">
+                    <a16:rowId xmlns:a16="http://schemas.microsoft.com/office/drawing/2014/main" val="3789150516"/>
+                  </a:ext>
+                </a:extLst>
+              </a:tr>
+              <a:tr h="246674">
+                <a:tc>
+                  <a:txBody>
+                    <a:bodyPr/>
+                    <a:lstStyle/>
+                    <a:p>
+                      <a:pPr algn="ctr"/>
+                      <a:r>
+                        <a:rPr lang="es-MX" sz="1100" dirty="0" smtClean="0"/>
+                        <a:t>845624</a:t>
+                      </a:r>
+                      <a:endParaRPr lang="es-MX" sz="1100" dirty="0"/>
+                    </a:p>
+                  </a:txBody>
+                  <a:tcPr/>
+                </a:tc>
+                <a:tc>
+                  <a:txBody>
+                    <a:bodyPr/>
+                    <a:lstStyle/>
+                    <a:p>
+                      <a:pPr algn="ctr"/>
+                      <a:r>
+                        <a:rPr lang="es-MX" sz="1100" dirty="0" smtClean="0"/>
+                        <a:t>15-1</a:t>
+                      </a:r>
+                      <a:endParaRPr lang="es-MX" sz="1100" dirty="0"/>
+                    </a:p>
+                  </a:txBody>
+                  <a:tcPr/>
+                </a:tc>
+                <a:tc>
+                  <a:txBody>
+                    <a:bodyPr/>
+                    <a:lstStyle/>
+                    <a:p>
+                      <a:pPr algn="ctr"/>
+                      <a:r>
+                        <a:rPr lang="es-MX" sz="1100" dirty="0" smtClean="0"/>
+                        <a:t>6</a:t>
+                      </a:r>
+                      <a:endParaRPr lang="es-MX" sz="1100" dirty="0"/>
+                    </a:p>
+                  </a:txBody>
+                  <a:tcPr/>
+                </a:tc>
+                <a:extLst>
+                  <a:ext uri="{0D108BD9-81ED-4DB2-BD59-A6C34878D82A}">
+                    <a16:rowId xmlns:a16="http://schemas.microsoft.com/office/drawing/2014/main" val="1047011962"/>
+                  </a:ext>
+                </a:extLst>
+              </a:tr>
+              <a:tr h="246674">
+                <a:tc>
+                  <a:txBody>
+                    <a:bodyPr/>
+                    <a:lstStyle/>
+                    <a:p>
+                      <a:pPr algn="ctr"/>
+                      <a:r>
+                        <a:rPr lang="es-MX" sz="1100" dirty="0" smtClean="0"/>
+                        <a:t>325654</a:t>
+                      </a:r>
+                      <a:endParaRPr lang="es-MX" sz="1100" dirty="0"/>
+                    </a:p>
+                  </a:txBody>
+                  <a:tcPr/>
+                </a:tc>
+                <a:tc>
+                  <a:txBody>
+                    <a:bodyPr/>
+                    <a:lstStyle/>
+                    <a:p>
+                      <a:pPr algn="ctr"/>
+                      <a:r>
+                        <a:rPr lang="es-MX" sz="1100" dirty="0" smtClean="0"/>
+                        <a:t>15-1</a:t>
+                      </a:r>
+                      <a:endParaRPr lang="es-MX" sz="1100" dirty="0"/>
+                    </a:p>
+                  </a:txBody>
+                  <a:tcPr/>
+                </a:tc>
+                <a:tc>
+                  <a:txBody>
+                    <a:bodyPr/>
+                    <a:lstStyle/>
+                    <a:p>
+                      <a:pPr algn="ctr"/>
+                      <a:r>
+                        <a:rPr lang="es-MX" sz="1100" dirty="0" smtClean="0"/>
+                        <a:t>7</a:t>
+                      </a:r>
+                      <a:endParaRPr lang="es-MX" sz="1100" dirty="0"/>
+                    </a:p>
+                  </a:txBody>
+                  <a:tcPr/>
+                </a:tc>
+                <a:extLst>
+                  <a:ext uri="{0D108BD9-81ED-4DB2-BD59-A6C34878D82A}">
+                    <a16:rowId xmlns:a16="http://schemas.microsoft.com/office/drawing/2014/main" val="3451341033"/>
+                  </a:ext>
+                </a:extLst>
+              </a:tr>
+              <a:tr h="246674">
+                <a:tc>
+                  <a:txBody>
+                    <a:bodyPr/>
+                    <a:lstStyle/>
+                    <a:p>
+                      <a:pPr algn="ctr"/>
+                      <a:r>
+                        <a:rPr lang="es-MX" sz="1100" dirty="0" smtClean="0"/>
+                        <a:t>845624</a:t>
+                      </a:r>
+                      <a:endParaRPr lang="es-MX" sz="1100" dirty="0"/>
+                    </a:p>
+                  </a:txBody>
+                  <a:tcPr/>
+                </a:tc>
+                <a:tc>
+                  <a:txBody>
+                    <a:bodyPr/>
+                    <a:lstStyle/>
+                    <a:p>
+                      <a:pPr algn="ctr"/>
+                      <a:r>
+                        <a:rPr lang="es-MX" sz="1100" dirty="0" smtClean="0"/>
+                        <a:t>15-3</a:t>
+                      </a:r>
+                      <a:endParaRPr lang="es-MX" sz="1100" dirty="0"/>
+                    </a:p>
+                  </a:txBody>
+                  <a:tcPr/>
+                </a:tc>
+                <a:tc>
+                  <a:txBody>
+                    <a:bodyPr/>
+                    <a:lstStyle/>
+                    <a:p>
+                      <a:pPr algn="ctr"/>
+                      <a:r>
+                        <a:rPr lang="es-MX" sz="1100" dirty="0" smtClean="0"/>
+                        <a:t>8</a:t>
+                      </a:r>
+                      <a:endParaRPr lang="es-MX" sz="1100" dirty="0"/>
+                    </a:p>
+                  </a:txBody>
+                  <a:tcPr/>
+                </a:tc>
+                <a:extLst>
+                  <a:ext uri="{0D108BD9-81ED-4DB2-BD59-A6C34878D82A}">
+                    <a16:rowId xmlns:a16="http://schemas.microsoft.com/office/drawing/2014/main" val="2997814205"/>
+                  </a:ext>
+                </a:extLst>
+              </a:tr>
+              <a:tr h="246674">
+                <a:tc>
+                  <a:txBody>
+                    <a:bodyPr/>
+                    <a:lstStyle/>
+                    <a:p>
+                      <a:pPr algn="ctr"/>
+                      <a:r>
+                        <a:rPr lang="es-MX" sz="1100" dirty="0" smtClean="0"/>
+                        <a:t>325654</a:t>
+                      </a:r>
+                      <a:endParaRPr lang="es-MX" sz="1100" dirty="0"/>
+                    </a:p>
+                  </a:txBody>
+                  <a:tcPr/>
+                </a:tc>
+                <a:tc>
+                  <a:txBody>
+                    <a:bodyPr/>
+                    <a:lstStyle/>
+                    <a:p>
+                      <a:pPr algn="ctr"/>
+                      <a:r>
+                        <a:rPr lang="es-MX" sz="1100" dirty="0" smtClean="0"/>
+                        <a:t>15-2</a:t>
+                      </a:r>
+                      <a:endParaRPr lang="es-MX" sz="1100" dirty="0"/>
+                    </a:p>
+                  </a:txBody>
+                  <a:tcPr/>
+                </a:tc>
+                <a:tc>
+                  <a:txBody>
+                    <a:bodyPr/>
+                    <a:lstStyle/>
+                    <a:p>
+                      <a:pPr algn="ctr"/>
+                      <a:r>
+                        <a:rPr lang="es-MX" sz="1100" dirty="0" smtClean="0"/>
+                        <a:t>7</a:t>
+                      </a:r>
+                      <a:endParaRPr lang="es-MX" sz="1100" dirty="0"/>
+                    </a:p>
+                  </a:txBody>
+                  <a:tcPr/>
+                </a:tc>
+                <a:extLst>
+                  <a:ext uri="{0D108BD9-81ED-4DB2-BD59-A6C34878D82A}">
+                    <a16:rowId xmlns:a16="http://schemas.microsoft.com/office/drawing/2014/main" val="1616901353"/>
+                  </a:ext>
+                </a:extLst>
+              </a:tr>
+            </a:tbl>
+          </a:graphicData>
+        </a:graphic>
+      </p:graphicFrame>
+      <p:sp>
+        <p:nvSpPr>
+          <p:cNvPr id="10" name="CuadroTexto 9"/>
+          <p:cNvSpPr txBox="1"/>
+          <p:nvPr/>
+        </p:nvSpPr>
+        <p:spPr>
+          <a:xfrm>
+            <a:off x="1266827" y="1274248"/>
+            <a:ext cx="1120820" cy="307777"/>
+          </a:xfrm>
+          <a:prstGeom prst="rect">
+            <a:avLst/>
+          </a:prstGeom>
+          <a:noFill/>
+        </p:spPr>
+        <p:txBody>
+          <a:bodyPr wrap="none" rtlCol="0">
+            <a:spAutoFit/>
+          </a:bodyPr>
+          <a:lstStyle/>
+          <a:p>
+            <a:r>
+              <a:rPr lang="es-MX" dirty="0" smtClean="0"/>
+              <a:t>Estudiantes</a:t>
+            </a:r>
+            <a:endParaRPr lang="es-MX" dirty="0"/>
+          </a:p>
+        </p:txBody>
+      </p:sp>
+      <p:sp>
+        <p:nvSpPr>
+          <p:cNvPr id="11" name="CuadroTexto 10"/>
+          <p:cNvSpPr txBox="1"/>
+          <p:nvPr/>
+        </p:nvSpPr>
+        <p:spPr>
+          <a:xfrm>
+            <a:off x="333377" y="2977934"/>
+            <a:ext cx="732893" cy="307777"/>
+          </a:xfrm>
+          <a:prstGeom prst="rect">
+            <a:avLst/>
+          </a:prstGeom>
+          <a:noFill/>
+        </p:spPr>
+        <p:txBody>
+          <a:bodyPr wrap="none" rtlCol="0">
+            <a:spAutoFit/>
+          </a:bodyPr>
+          <a:lstStyle/>
+          <a:p>
+            <a:r>
+              <a:rPr lang="es-MX" dirty="0" smtClean="0"/>
+              <a:t>Clases</a:t>
+            </a:r>
+            <a:endParaRPr lang="es-MX" dirty="0"/>
+          </a:p>
+        </p:txBody>
+      </p:sp>
+      <p:sp>
+        <p:nvSpPr>
+          <p:cNvPr id="12" name="Rectángulo 11"/>
+          <p:cNvSpPr/>
+          <p:nvPr/>
+        </p:nvSpPr>
+        <p:spPr>
+          <a:xfrm>
+            <a:off x="3291153" y="2932043"/>
+            <a:ext cx="1040670" cy="307777"/>
+          </a:xfrm>
+          <a:prstGeom prst="rect">
+            <a:avLst/>
+          </a:prstGeom>
+        </p:spPr>
+        <p:txBody>
+          <a:bodyPr wrap="none">
+            <a:spAutoFit/>
+          </a:bodyPr>
+          <a:lstStyle/>
+          <a:p>
+            <a:r>
+              <a:rPr lang="es-MX" dirty="0" smtClean="0"/>
+              <a:t>Inscripción</a:t>
+            </a:r>
+            <a:endParaRPr lang="es-MX" dirty="0"/>
+          </a:p>
+        </p:txBody>
+      </p:sp>
     </p:spTree>
     <p:extLst>
       <p:ext uri="{BB962C8B-B14F-4D97-AF65-F5344CB8AC3E}">
-        <p14:creationId xmlns:p14="http://schemas.microsoft.com/office/powerpoint/2010/main" val="1531642014"/>
+        <p14:creationId xmlns:p14="http://schemas.microsoft.com/office/powerpoint/2010/main" val="3868233415"/>
       </p:ext>
     </p:extLst>
   </p:cSld>
@@ -5321,7 +6285,11 @@
           <a:bodyPr/>
           <a:lstStyle/>
           <a:p>
-            <a:endParaRPr lang="es-MX"/>
+            <a:r>
+              <a:rPr lang="es-MX" dirty="0" smtClean="0"/>
+              <a:t>Agregaciones</a:t>
+            </a:r>
+            <a:endParaRPr lang="es-MX" dirty="0"/>
           </a:p>
         </p:txBody>
       </p:sp>
@@ -5341,48 +6309,45 @@
           <a:lstStyle/>
           <a:p>
             <a:r>
-              <a:rPr lang="es-MX" dirty="0" smtClean="0"/>
-              <a:t>Película con mas nominaciones?</a:t>
+              <a:rPr lang="es-MX" sz="2000" dirty="0" smtClean="0"/>
+              <a:t>Función que regresa un solo valor:</a:t>
             </a:r>
           </a:p>
           <a:p>
             <a:pPr lvl="1"/>
             <a:r>
-              <a:rPr lang="es-MX" dirty="0" err="1" smtClean="0"/>
-              <a:t>The</a:t>
-            </a:r>
-            <a:r>
-              <a:rPr lang="es-MX" dirty="0" smtClean="0"/>
-              <a:t> Post</a:t>
+              <a:rPr lang="es-MX" sz="2000" dirty="0" smtClean="0"/>
+              <a:t>AVG(col): Promedio de la columna</a:t>
             </a:r>
           </a:p>
           <a:p>
             <a:pPr lvl="1"/>
             <a:r>
-              <a:rPr lang="es-MX" dirty="0" smtClean="0"/>
-              <a:t>Curiosamente la película en si no ganó ningún Oscar, ganó </a:t>
-            </a:r>
-            <a:r>
-              <a:rPr lang="es-MX" dirty="0" err="1" smtClean="0"/>
-              <a:t>The</a:t>
-            </a:r>
-            <a:r>
-              <a:rPr lang="es-MX" dirty="0" smtClean="0"/>
-              <a:t> </a:t>
-            </a:r>
-            <a:r>
-              <a:rPr lang="es-MX" dirty="0" err="1" smtClean="0"/>
-              <a:t>Shape</a:t>
-            </a:r>
-            <a:r>
-              <a:rPr lang="es-MX" dirty="0" smtClean="0"/>
-              <a:t> of </a:t>
-            </a:r>
-            <a:r>
-              <a:rPr lang="es-MX" dirty="0" err="1" smtClean="0"/>
-              <a:t>Water</a:t>
-            </a:r>
-            <a:endParaRPr lang="es-MX" dirty="0"/>
+              <a:rPr lang="es-MX" sz="2000" dirty="0" smtClean="0"/>
+              <a:t>MIN(col): Regresa el mínimo</a:t>
+            </a:r>
+          </a:p>
+          <a:p>
+            <a:pPr lvl="1"/>
+            <a:r>
+              <a:rPr lang="es-MX" sz="2000" dirty="0" smtClean="0"/>
+              <a:t>MAX(col): Regresa el máximo</a:t>
+            </a:r>
+          </a:p>
+          <a:p>
+            <a:pPr lvl="1"/>
+            <a:r>
+              <a:rPr lang="es-MX" sz="2000" dirty="0" smtClean="0"/>
+              <a:t>SUM(col): Regresa la suma de los valores</a:t>
+            </a:r>
+          </a:p>
+          <a:p>
+            <a:pPr lvl="1"/>
+            <a:r>
+              <a:rPr lang="es-MX" sz="2000" dirty="0" smtClean="0"/>
+              <a:t>COUNT(col): Regresa el # de valores en la columna.</a:t>
+            </a:r>
+            <a:endParaRPr lang="es-MX" sz="2000" dirty="0"/>
           </a:p>
         </p:txBody>
       </p:sp>
@@ -5421,7 +6386,7 @@
     </p:spTree>
     <p:extLst>
       <p:ext uri="{BB962C8B-B14F-4D97-AF65-F5344CB8AC3E}">
-        <p14:creationId xmlns:p14="http://schemas.microsoft.com/office/powerpoint/2010/main" val="1748319220"/>
+        <p14:creationId xmlns:p14="http://schemas.microsoft.com/office/powerpoint/2010/main" val="3363632191"/>
       </p:ext>
     </p:extLst>
   </p:cSld>
@@ -5463,7 +6428,11 @@
           <a:bodyPr/>
           <a:lstStyle/>
           <a:p>
-            <a:endParaRPr lang="es-MX"/>
+            <a:r>
+              <a:rPr lang="es-MX" dirty="0" smtClean="0"/>
+              <a:t>Agregaciones</a:t>
+            </a:r>
+            <a:endParaRPr lang="es-MX" dirty="0"/>
           </a:p>
         </p:txBody>
       </p:sp>
@@ -5484,41 +6453,51 @@
           <a:p>
             <a:r>
               <a:rPr lang="es-MX" dirty="0" smtClean="0"/>
-              <a:t>Errores:</a:t>
+              <a:t>Las agregaciones sólo se pueden utilizar en el SELECT:</a:t>
             </a:r>
           </a:p>
           <a:p>
             <a:pPr lvl="1"/>
             <a:r>
               <a:rPr lang="es-MX" dirty="0" smtClean="0"/>
-              <a:t>No hay ID para Actores y otras tablas</a:t>
-            </a:r>
-          </a:p>
-          <a:p>
-            <a:pPr lvl="1"/>
+              <a:t>SELECT COUNT(</a:t>
+            </a:r>
+            <a:r>
+              <a:rPr lang="es-MX" dirty="0" err="1" smtClean="0"/>
+              <a:t>login</a:t>
+            </a:r>
             <a:r>
               <a:rPr lang="es-MX" dirty="0" smtClean="0"/>
-              <a:t>No hay tablas de relación</a:t>
-            </a:r>
-          </a:p>
-          <a:p>
-            <a:pPr lvl="1"/>
+              <a:t>) AS </a:t>
+            </a:r>
+            <a:r>
+              <a:rPr lang="es-MX" dirty="0" err="1" smtClean="0"/>
+              <a:t>cnt</a:t>
+            </a:r>
+            <a:endParaRPr lang="es-MX" dirty="0" smtClean="0"/>
+          </a:p>
+          <a:p>
+            <a:pPr lvl="2"/>
             <a:r>
               <a:rPr lang="es-MX" dirty="0" smtClean="0"/>
-              <a:t>Las ID están como </a:t>
+              <a:t>FROM Estudiantes </a:t>
+            </a:r>
+          </a:p>
+          <a:p>
+            <a:pPr lvl="2"/>
+            <a:r>
+              <a:rPr lang="es-MX" dirty="0" smtClean="0"/>
+              <a:t>WHERE </a:t>
             </a:r>
             <a:r>
               <a:rPr lang="es-MX" dirty="0" err="1" smtClean="0"/>
-              <a:t>int</a:t>
-            </a:r>
-            <a:endParaRPr lang="es-MX" dirty="0" smtClean="0"/>
-          </a:p>
-          <a:p>
-            <a:pPr lvl="1"/>
+              <a:t>login</a:t>
+            </a:r>
             <a:r>
               <a:rPr lang="es-MX" dirty="0" smtClean="0"/>
-              <a:t>Redundancia</a:t>
-            </a:r>
+              <a:t> LIKE ‘%@up’</a:t>
+            </a:r>
+            <a:endParaRPr lang="es-MX" dirty="0"/>
           </a:p>
         </p:txBody>
       </p:sp>
@@ -5557,7 +6536,7 @@
     </p:spTree>
     <p:extLst>
       <p:ext uri="{BB962C8B-B14F-4D97-AF65-F5344CB8AC3E}">
-        <p14:creationId xmlns:p14="http://schemas.microsoft.com/office/powerpoint/2010/main" val="2280329346"/>
+        <p14:creationId xmlns:p14="http://schemas.microsoft.com/office/powerpoint/2010/main" val="420622477"/>
       </p:ext>
     </p:extLst>
   </p:cSld>
@@ -5599,7 +6578,11 @@
           <a:bodyPr/>
           <a:lstStyle/>
           <a:p>
-            <a:endParaRPr lang="es-MX"/>
+            <a:r>
+              <a:rPr lang="es-MX" dirty="0" smtClean="0"/>
+              <a:t>Agregaciones</a:t>
+            </a:r>
+            <a:endParaRPr lang="es-MX" dirty="0"/>
           </a:p>
         </p:txBody>
       </p:sp>
@@ -5618,32 +6601,90 @@
           <a:bodyPr/>
           <a:lstStyle/>
           <a:p>
+            <a:pPr lvl="1"/>
+            <a:r>
+              <a:rPr lang="es-MX" dirty="0"/>
+              <a:t>SELECT </a:t>
+            </a:r>
             <a:r>
               <a:rPr lang="es-MX" dirty="0" smtClean="0"/>
-              <a:t>Preguntas Bono:</a:t>
+              <a:t>COUNT(*) </a:t>
+            </a:r>
+            <a:r>
+              <a:rPr lang="es-MX" dirty="0"/>
+              <a:t>AS </a:t>
+            </a:r>
+            <a:r>
+              <a:rPr lang="es-MX" dirty="0" err="1"/>
+              <a:t>cnt</a:t>
+            </a:r>
+            <a:endParaRPr lang="es-MX" dirty="0"/>
+          </a:p>
+          <a:p>
+            <a:pPr lvl="2"/>
+            <a:r>
+              <a:rPr lang="es-MX" dirty="0"/>
+              <a:t>FROM Estudiantes </a:t>
+            </a:r>
+          </a:p>
+          <a:p>
+            <a:pPr lvl="2"/>
+            <a:r>
+              <a:rPr lang="es-MX" dirty="0"/>
+              <a:t>WHERE </a:t>
+            </a:r>
+            <a:r>
+              <a:rPr lang="es-MX" dirty="0" err="1"/>
+              <a:t>login</a:t>
+            </a:r>
+            <a:r>
+              <a:rPr lang="es-MX" dirty="0"/>
+              <a:t> LIKE ‘%@up’</a:t>
             </a:r>
           </a:p>
           <a:p>
             <a:pPr lvl="1"/>
             <a:r>
+              <a:rPr lang="es-MX" dirty="0"/>
+              <a:t>SELECT </a:t>
+            </a:r>
+            <a:r>
               <a:rPr lang="es-MX" dirty="0" smtClean="0"/>
-              <a:t>1: RAMS (Aun hoy)</a:t>
-            </a:r>
-          </a:p>
-          <a:p>
-            <a:pPr lvl="1"/>
-            <a:r>
-              <a:rPr lang="es-MX" dirty="0" smtClean="0"/>
-              <a:t>2: </a:t>
-            </a:r>
-            <a:r>
-              <a:rPr lang="es-MX" dirty="0" err="1" smtClean="0"/>
-              <a:t>Bansky</a:t>
-            </a:r>
-            <a:r>
-              <a:rPr lang="es-MX" dirty="0" smtClean="0"/>
-              <a:t>, destruyo su obra después de que se subastó.</a:t>
-            </a:r>
+              <a:t>COUNT(1) </a:t>
+            </a:r>
+            <a:r>
+              <a:rPr lang="es-MX" dirty="0"/>
+              <a:t>AS </a:t>
+            </a:r>
+            <a:r>
+              <a:rPr lang="es-MX" dirty="0" err="1"/>
+              <a:t>cnt</a:t>
+            </a:r>
+            <a:endParaRPr lang="es-MX" dirty="0"/>
+          </a:p>
+          <a:p>
+            <a:pPr lvl="2"/>
+            <a:r>
+              <a:rPr lang="es-MX" dirty="0"/>
+              <a:t>FROM Estudiantes </a:t>
+            </a:r>
+          </a:p>
+          <a:p>
+            <a:pPr lvl="2"/>
+            <a:r>
+              <a:rPr lang="es-MX" dirty="0"/>
+              <a:t>WHERE </a:t>
+            </a:r>
+            <a:r>
+              <a:rPr lang="es-MX" dirty="0" err="1"/>
+              <a:t>login</a:t>
+            </a:r>
+            <a:r>
+              <a:rPr lang="es-MX" dirty="0"/>
+              <a:t> LIKE ‘%@up’</a:t>
+            </a:r>
+          </a:p>
+          <a:p>
             <a:endParaRPr lang="es-MX" dirty="0"/>
           </a:p>
         </p:txBody>
@@ -5683,7 +6724,7 @@
     </p:spTree>
     <p:extLst>
       <p:ext uri="{BB962C8B-B14F-4D97-AF65-F5344CB8AC3E}">
-        <p14:creationId xmlns:p14="http://schemas.microsoft.com/office/powerpoint/2010/main" val="1952101450"/>
+        <p14:creationId xmlns:p14="http://schemas.microsoft.com/office/powerpoint/2010/main" val="263043055"/>
       </p:ext>
     </p:extLst>
   </p:cSld>
@@ -5698,7 +6739,7 @@
   <p:cSld>
     <p:spTree>
       <p:nvGrpSpPr>
-        <p:cNvPr id="1" name="Shape 220"/>
+        <p:cNvPr id="1" name=""/>
         <p:cNvGrpSpPr/>
         <p:nvPr/>
       </p:nvGrpSpPr>
@@ -5712,41 +6753,26 @@
       </p:grpSpPr>
       <p:sp>
         <p:nvSpPr>
-          <p:cNvPr id="221" name="Google Shape;221;p14"/>
-          <p:cNvSpPr txBox="1">
+          <p:cNvPr id="2" name="Título 1"/>
+          <p:cNvSpPr>
             <a:spLocks noGrp="1"/>
           </p:cNvSpPr>
           <p:nvPr>
-            <p:ph type="ctrTitle"/>
+            <p:ph type="title"/>
           </p:nvPr>
         </p:nvSpPr>
-        <p:spPr>
-          <a:xfrm>
-            <a:off x="463525" y="2871148"/>
-            <a:ext cx="4094400" cy="1159800"/>
-          </a:xfrm>
-          <a:prstGeom prst="rect">
-            <a:avLst/>
-          </a:prstGeom>
-        </p:spPr>
+        <p:spPr/>
         <p:txBody>
-          <a:bodyPr spcFirstLastPara="1" wrap="square" lIns="91425" tIns="91425" rIns="91425" bIns="91425" anchor="b" anchorCtr="0">
-            <a:noAutofit/>
-          </a:bodyPr>
+          <a:bodyPr/>
           <a:lstStyle/>
           <a:p>
-            <a:pPr marL="0" lvl="0" indent="0" rtl="0">
-              <a:spcBef>
-                <a:spcPts val="0"/>
-              </a:spcBef>
-              <a:spcAft>
-                <a:spcPts val="0"/>
-              </a:spcAft>
-              <a:buNone/>
-            </a:pPr>
             <a:r>
               <a:rPr lang="es-MX" dirty="0" smtClean="0"/>
-              <a:t>SQL</a:t>
+              <a:t>Agregaciones </a:t>
+            </a:r>
+            <a:r>
+              <a:rPr lang="es-MX" dirty="0" err="1" smtClean="0"/>
+              <a:t>multiples</a:t>
             </a:r>
             <a:endParaRPr lang="es-MX" dirty="0"/>
           </a:p>
@@ -5754,65 +6780,63 @@
       </p:sp>
       <p:sp>
         <p:nvSpPr>
-          <p:cNvPr id="222" name="Google Shape;222;p14"/>
-          <p:cNvSpPr txBox="1">
+          <p:cNvPr id="3" name="Marcador de texto 2"/>
+          <p:cNvSpPr>
             <a:spLocks noGrp="1"/>
           </p:cNvSpPr>
           <p:nvPr>
-            <p:ph type="subTitle" idx="1"/>
+            <p:ph type="body" idx="1"/>
           </p:nvPr>
         </p:nvSpPr>
-        <p:spPr>
-          <a:xfrm>
-            <a:off x="463525" y="3975449"/>
-            <a:ext cx="4094400" cy="784800"/>
-          </a:xfrm>
-          <a:prstGeom prst="rect">
-            <a:avLst/>
-          </a:prstGeom>
-        </p:spPr>
+        <p:spPr/>
         <p:txBody>
-          <a:bodyPr spcFirstLastPara="1" wrap="square" lIns="91425" tIns="91425" rIns="91425" bIns="91425" anchor="t" anchorCtr="0">
-            <a:noAutofit/>
-          </a:bodyPr>
+          <a:bodyPr/>
           <a:lstStyle/>
           <a:p>
-            <a:pPr marL="0" lvl="0" indent="0" rtl="0">
-              <a:spcBef>
-                <a:spcPts val="0"/>
-              </a:spcBef>
-              <a:spcAft>
-                <a:spcPts val="1000"/>
-              </a:spcAft>
-              <a:buNone/>
-            </a:pPr>
+            <a:r>
+              <a:rPr lang="es-MX" dirty="0" smtClean="0"/>
+              <a:t>SELECT AVG(promedio), COUNT(</a:t>
+            </a:r>
+            <a:r>
+              <a:rPr lang="es-MX" dirty="0" err="1" smtClean="0"/>
+              <a:t>sid</a:t>
+            </a:r>
+            <a:r>
+              <a:rPr lang="es-MX" dirty="0" smtClean="0"/>
+              <a:t>)</a:t>
+            </a:r>
+          </a:p>
+          <a:p>
+            <a:pPr lvl="1"/>
+            <a:r>
+              <a:rPr lang="es-MX" dirty="0" smtClean="0"/>
+              <a:t>FROM  estudiantes WHERE </a:t>
+            </a:r>
+            <a:r>
+              <a:rPr lang="es-MX" dirty="0" err="1" smtClean="0"/>
+              <a:t>login</a:t>
+            </a:r>
+            <a:r>
+              <a:rPr lang="es-MX" dirty="0" smtClean="0"/>
+              <a:t> LIKE ‘@up’</a:t>
+            </a:r>
             <a:endParaRPr lang="es-MX" dirty="0"/>
           </a:p>
         </p:txBody>
       </p:sp>
       <p:sp>
         <p:nvSpPr>
-          <p:cNvPr id="223" name="Google Shape;223;p14"/>
-          <p:cNvSpPr txBox="1">
+          <p:cNvPr id="4" name="Marcador de número de diapositiva 3"/>
+          <p:cNvSpPr>
             <a:spLocks noGrp="1"/>
           </p:cNvSpPr>
           <p:nvPr>
             <p:ph type="sldNum" idx="12"/>
           </p:nvPr>
         </p:nvSpPr>
-        <p:spPr>
-          <a:xfrm>
-            <a:off x="7618000" y="4636500"/>
-            <a:ext cx="1487400" cy="315600"/>
-          </a:xfrm>
-          <a:prstGeom prst="rect">
-            <a:avLst/>
-          </a:prstGeom>
-        </p:spPr>
+        <p:spPr/>
         <p:txBody>
-          <a:bodyPr spcFirstLastPara="1" wrap="square" lIns="91425" tIns="91425" rIns="91425" bIns="91425" anchor="ctr" anchorCtr="0">
-            <a:noAutofit/>
-          </a:bodyPr>
+          <a:bodyPr/>
           <a:lstStyle/>
           <a:p>
             <a:pPr marL="0" lvl="0" indent="0">
@@ -5825,88 +6849,23 @@
               <a:buNone/>
             </a:pPr>
             <a:fld id="{00000000-1234-1234-1234-123412341234}" type="slidenum">
-              <a:rPr lang="en"/>
+              <a:rPr lang="es-MX" smtClean="0"/>
               <a:t>14</a:t>
             </a:fld>
-            <a:endParaRPr/>
-          </a:p>
-        </p:txBody>
-      </p:sp>
-      <p:sp>
-        <p:nvSpPr>
-          <p:cNvPr id="224" name="Google Shape;224;p14"/>
-          <p:cNvSpPr txBox="1"/>
-          <p:nvPr/>
-        </p:nvSpPr>
-        <p:spPr>
-          <a:xfrm>
-            <a:off x="463525" y="0"/>
-            <a:ext cx="2181600" cy="3136200"/>
-          </a:xfrm>
-          <a:prstGeom prst="rect">
-            <a:avLst/>
-          </a:prstGeom>
-          <a:noFill/>
-          <a:ln>
-            <a:noFill/>
-          </a:ln>
-        </p:spPr>
-        <p:txBody>
-          <a:bodyPr spcFirstLastPara="1" wrap="square" lIns="91425" tIns="91425" rIns="91425" bIns="91425" anchor="b" anchorCtr="0">
-            <a:noAutofit/>
-          </a:bodyPr>
-          <a:lstStyle/>
-          <a:p>
-            <a:pPr marL="0" lvl="0" indent="0">
-              <a:spcBef>
-                <a:spcPts val="0"/>
-              </a:spcBef>
-              <a:spcAft>
-                <a:spcPts val="0"/>
-              </a:spcAft>
-              <a:buNone/>
-            </a:pPr>
-            <a:r>
-              <a:rPr lang="en" sz="12000" b="1" dirty="0" smtClean="0">
-                <a:solidFill>
-                  <a:srgbClr val="3F5378"/>
-                </a:solidFill>
-                <a:latin typeface="Roboto Condensed"/>
-                <a:ea typeface="Roboto Condensed"/>
-                <a:cs typeface="Roboto Condensed"/>
-                <a:sym typeface="Roboto Condensed"/>
-              </a:rPr>
-              <a:t>2</a:t>
-            </a:r>
-            <a:endParaRPr sz="3000" b="1" dirty="0">
-              <a:solidFill>
-                <a:srgbClr val="3F5378"/>
-              </a:solidFill>
-              <a:latin typeface="Roboto Condensed"/>
-              <a:ea typeface="Roboto Condensed"/>
-              <a:cs typeface="Roboto Condensed"/>
-              <a:sym typeface="Roboto Condensed"/>
-            </a:endParaRPr>
+            <a:endParaRPr lang="es-MX"/>
           </a:p>
         </p:txBody>
       </p:sp>
     </p:spTree>
     <p:extLst>
       <p:ext uri="{BB962C8B-B14F-4D97-AF65-F5344CB8AC3E}">
-        <p14:creationId xmlns:p14="http://schemas.microsoft.com/office/powerpoint/2010/main" val="451370936"/>
+        <p14:creationId xmlns:p14="http://schemas.microsoft.com/office/powerpoint/2010/main" val="1951382106"/>
       </p:ext>
     </p:extLst>
   </p:cSld>
   <p:clrMapOvr>
     <a:masterClrMapping/>
   </p:clrMapOvr>
-  <p:timing>
-    <p:tnLst>
-      <p:par>
-        <p:cTn id="1" dur="indefinite" restart="never" nodeType="tmRoot"/>
-      </p:par>
-    </p:tnLst>
-  </p:timing>
 </p:sld>
 </file>
 
@@ -5944,7 +6903,7 @@
           <a:p>
             <a:r>
               <a:rPr lang="es-MX" dirty="0" smtClean="0"/>
-              <a:t>Definición</a:t>
+              <a:t>Agrupar</a:t>
             </a:r>
             <a:endParaRPr lang="es-MX" dirty="0"/>
           </a:p>
@@ -5966,61 +6925,68 @@
           <a:lstStyle/>
           <a:p>
             <a:r>
-              <a:rPr lang="es-MX" sz="1800" dirty="0" smtClean="0"/>
-              <a:t>S.Q.L o “</a:t>
-            </a:r>
-            <a:r>
-              <a:rPr lang="es-MX" sz="1800" dirty="0" err="1" smtClean="0"/>
-              <a:t>Sequel</a:t>
-            </a:r>
-            <a:r>
-              <a:rPr lang="es-MX" sz="1800" dirty="0" smtClean="0"/>
-              <a:t>”</a:t>
-            </a:r>
-            <a:endParaRPr lang="es-MX" sz="1800" dirty="0" smtClean="0"/>
-          </a:p>
-          <a:p>
-            <a:r>
-              <a:rPr lang="es-MX" sz="1800" dirty="0" smtClean="0"/>
-              <a:t>La mayoría de los sistemas comerciales de BD lo soportan</a:t>
-            </a:r>
-            <a:endParaRPr lang="es-MX" sz="1800" dirty="0" smtClean="0"/>
-          </a:p>
-          <a:p>
-            <a:r>
-              <a:rPr lang="es-MX" sz="1800" dirty="0" smtClean="0"/>
-              <a:t>Es uno de los sistemas mejor mantenidos</a:t>
+              <a:rPr lang="es-MX" dirty="0" smtClean="0"/>
+              <a:t>Divide a la tabla en subconjuntos y hace los cálculos basados en ellos:</a:t>
             </a:r>
           </a:p>
           <a:p>
             <a:pPr lvl="1"/>
             <a:r>
-              <a:rPr lang="es-MX" sz="1800" dirty="0" smtClean="0"/>
-              <a:t>Tiene nuevos “</a:t>
-            </a:r>
-            <a:r>
-              <a:rPr lang="es-MX" sz="1800" dirty="0" err="1" smtClean="0"/>
-              <a:t>features</a:t>
-            </a:r>
-            <a:r>
-              <a:rPr lang="es-MX" sz="1800" dirty="0" smtClean="0"/>
-              <a:t>” todo el tiempo.</a:t>
-            </a:r>
-            <a:endParaRPr lang="es-MX" sz="1800" dirty="0" smtClean="0"/>
-          </a:p>
-          <a:p>
-            <a:r>
-              <a:rPr lang="es-MX" sz="1800" dirty="0" smtClean="0"/>
-              <a:t>Tiene GUI interactiva que hace más fácil su manejo.</a:t>
-            </a:r>
-            <a:endParaRPr lang="es-MX" sz="1800" dirty="0" smtClean="0"/>
-          </a:p>
-          <a:p>
-            <a:r>
-              <a:rPr lang="es-MX" sz="1800" dirty="0" smtClean="0"/>
-              <a:t>Esta basado en Álgebra relacional</a:t>
-            </a:r>
-            <a:endParaRPr lang="es-MX" sz="1800" dirty="0"/>
+              <a:rPr lang="es-MX" dirty="0" smtClean="0"/>
+              <a:t>SELECT AVG(</a:t>
+            </a:r>
+            <a:r>
+              <a:rPr lang="es-MX" dirty="0" err="1" smtClean="0"/>
+              <a:t>s.promedio</a:t>
+            </a:r>
+            <a:r>
+              <a:rPr lang="es-MX" dirty="0" smtClean="0"/>
+              <a:t>), </a:t>
+            </a:r>
+            <a:r>
+              <a:rPr lang="es-MX" dirty="0" err="1" smtClean="0"/>
+              <a:t>e.cid</a:t>
+            </a:r>
+            <a:endParaRPr lang="es-MX" dirty="0" smtClean="0"/>
+          </a:p>
+          <a:p>
+            <a:pPr lvl="2"/>
+            <a:r>
+              <a:rPr lang="es-MX" dirty="0" smtClean="0"/>
+              <a:t>FROM inscripción as e, estudiantes as s</a:t>
+            </a:r>
+          </a:p>
+          <a:p>
+            <a:pPr lvl="2"/>
+            <a:r>
+              <a:rPr lang="es-MX" dirty="0" smtClean="0"/>
+              <a:t>WHERE </a:t>
+            </a:r>
+            <a:r>
+              <a:rPr lang="es-MX" dirty="0" err="1" smtClean="0"/>
+              <a:t>e.sid</a:t>
+            </a:r>
+            <a:r>
+              <a:rPr lang="es-MX" dirty="0" smtClean="0"/>
+              <a:t> = </a:t>
+            </a:r>
+            <a:r>
+              <a:rPr lang="es-MX" dirty="0" err="1" smtClean="0"/>
+              <a:t>s.sid</a:t>
+            </a:r>
+            <a:endParaRPr lang="es-MX" dirty="0" smtClean="0"/>
+          </a:p>
+          <a:p>
+            <a:pPr lvl="2"/>
+            <a:r>
+              <a:rPr lang="es-MX" dirty="0" smtClean="0"/>
+              <a:t>GROUP BY </a:t>
+            </a:r>
+            <a:r>
+              <a:rPr lang="es-MX" dirty="0" err="1" smtClean="0"/>
+              <a:t>e.cid</a:t>
+            </a:r>
+            <a:endParaRPr lang="es-MX" dirty="0"/>
           </a:p>
         </p:txBody>
       </p:sp>
@@ -6059,7 +7025,7 @@
     </p:spTree>
     <p:extLst>
       <p:ext uri="{BB962C8B-B14F-4D97-AF65-F5344CB8AC3E}">
-        <p14:creationId xmlns:p14="http://schemas.microsoft.com/office/powerpoint/2010/main" val="137133224"/>
+        <p14:creationId xmlns:p14="http://schemas.microsoft.com/office/powerpoint/2010/main" val="262867943"/>
       </p:ext>
     </p:extLst>
   </p:cSld>
@@ -6093,7 +7059,7 @@
             <a:spLocks noGrp="1"/>
           </p:cNvSpPr>
           <p:nvPr>
-            <p:ph type="title"/>
+            <p:ph type="ctrTitle"/>
           </p:nvPr>
         </p:nvSpPr>
         <p:spPr/>
@@ -6101,26 +7067,18 @@
           <a:bodyPr/>
           <a:lstStyle/>
           <a:p>
-            <a:r>
-              <a:rPr lang="es-MX" dirty="0" smtClean="0"/>
-              <a:t>SQL: </a:t>
-            </a:r>
-            <a:r>
-              <a:rPr lang="es-MX" dirty="0" err="1" smtClean="0"/>
-              <a:t>Intro</a:t>
-            </a:r>
-            <a:endParaRPr lang="es-MX" dirty="0"/>
+            <a:endParaRPr lang="es-MX"/>
           </a:p>
         </p:txBody>
       </p:sp>
       <p:sp>
         <p:nvSpPr>
-          <p:cNvPr id="3" name="Marcador de texto 2"/>
+          <p:cNvPr id="3" name="Subtítulo 2"/>
           <p:cNvSpPr>
             <a:spLocks noGrp="1"/>
           </p:cNvSpPr>
           <p:nvPr>
-            <p:ph type="body" idx="1"/>
+            <p:ph type="subTitle" idx="1"/>
           </p:nvPr>
         </p:nvSpPr>
         <p:spPr/>
@@ -6128,79 +7086,7 @@
           <a:bodyPr/>
           <a:lstStyle/>
           <a:p>
-            <a:r>
-              <a:rPr lang="es-MX" sz="1800" dirty="0" smtClean="0"/>
-              <a:t>Data </a:t>
-            </a:r>
-            <a:r>
-              <a:rPr lang="es-MX" sz="1800" dirty="0" err="1" smtClean="0"/>
-              <a:t>Definition</a:t>
-            </a:r>
-            <a:r>
-              <a:rPr lang="es-MX" sz="1800" dirty="0" smtClean="0"/>
-              <a:t> </a:t>
-            </a:r>
-            <a:r>
-              <a:rPr lang="es-MX" sz="1800" dirty="0" err="1" smtClean="0"/>
-              <a:t>Language</a:t>
-            </a:r>
-            <a:r>
-              <a:rPr lang="es-MX" sz="1800" dirty="0" smtClean="0"/>
-              <a:t> (DDL)</a:t>
-            </a:r>
-            <a:endParaRPr lang="es-MX" sz="1800" dirty="0" smtClean="0"/>
-          </a:p>
-          <a:p>
-            <a:pPr lvl="1"/>
-            <a:r>
-              <a:rPr lang="es-MX" sz="1800" dirty="0" err="1" smtClean="0"/>
-              <a:t>Create</a:t>
-            </a:r>
-            <a:r>
-              <a:rPr lang="es-MX" sz="1800" dirty="0" smtClean="0"/>
-              <a:t> </a:t>
-            </a:r>
-            <a:r>
-              <a:rPr lang="es-MX" sz="1800" dirty="0" err="1" smtClean="0"/>
-              <a:t>Table</a:t>
-            </a:r>
-            <a:endParaRPr lang="es-MX" sz="1800" dirty="0" smtClean="0"/>
-          </a:p>
-          <a:p>
-            <a:pPr lvl="2"/>
-            <a:r>
-              <a:rPr lang="es-MX" sz="1800" dirty="0" smtClean="0"/>
-              <a:t>Crea Tablas</a:t>
-            </a:r>
-            <a:endParaRPr lang="es-MX" sz="1800" dirty="0" smtClean="0"/>
-          </a:p>
-          <a:p>
-            <a:pPr lvl="1"/>
-            <a:r>
-              <a:rPr lang="es-MX" sz="1800" dirty="0" err="1" smtClean="0"/>
-              <a:t>Drop</a:t>
-            </a:r>
-            <a:r>
-              <a:rPr lang="es-MX" sz="1800" dirty="0" smtClean="0"/>
-              <a:t> </a:t>
-            </a:r>
-            <a:r>
-              <a:rPr lang="es-MX" sz="1800" dirty="0" err="1" smtClean="0"/>
-              <a:t>Table</a:t>
-            </a:r>
-            <a:endParaRPr lang="es-MX" sz="1800" dirty="0" smtClean="0"/>
-          </a:p>
-          <a:p>
-            <a:pPr lvl="2"/>
-            <a:r>
-              <a:rPr lang="es-MX" sz="1800" dirty="0" err="1" smtClean="0"/>
-              <a:t>Destuye</a:t>
-            </a:r>
-            <a:r>
-              <a:rPr lang="es-MX" sz="1800" dirty="0" smtClean="0"/>
-              <a:t> Tablas (cuidado!!!)</a:t>
-            </a:r>
-            <a:endParaRPr lang="es-MX" sz="1800" dirty="0"/>
+            <a:endParaRPr lang="es-MX"/>
           </a:p>
         </p:txBody>
       </p:sp>
@@ -6239,7 +7125,7 @@
     </p:spTree>
     <p:extLst>
       <p:ext uri="{BB962C8B-B14F-4D97-AF65-F5344CB8AC3E}">
-        <p14:creationId xmlns:p14="http://schemas.microsoft.com/office/powerpoint/2010/main" val="3488545547"/>
+        <p14:creationId xmlns:p14="http://schemas.microsoft.com/office/powerpoint/2010/main" val="2765197138"/>
       </p:ext>
     </p:extLst>
   </p:cSld>
@@ -6268,7 +7154,7 @@
       </p:grpSpPr>
       <p:sp>
         <p:nvSpPr>
-          <p:cNvPr id="2" name="Título 1"/>
+          <p:cNvPr id="5" name="Título 4"/>
           <p:cNvSpPr>
             <a:spLocks noGrp="1"/>
           </p:cNvSpPr>
@@ -6281,26 +7167,18 @@
           <a:bodyPr/>
           <a:lstStyle/>
           <a:p>
-            <a:r>
-              <a:rPr lang="es-MX" dirty="0" smtClean="0"/>
-              <a:t>SQL: </a:t>
-            </a:r>
-            <a:r>
-              <a:rPr lang="es-MX" dirty="0" err="1" smtClean="0"/>
-              <a:t>Intro</a:t>
-            </a:r>
-            <a:endParaRPr lang="es-MX" dirty="0"/>
+            <a:endParaRPr lang="es-MX"/>
           </a:p>
         </p:txBody>
       </p:sp>
       <p:sp>
         <p:nvSpPr>
-          <p:cNvPr id="3" name="Marcador de texto 2"/>
+          <p:cNvPr id="6" name="Marcador de contenido 5"/>
           <p:cNvSpPr>
             <a:spLocks noGrp="1"/>
           </p:cNvSpPr>
           <p:nvPr>
-            <p:ph type="body" idx="1"/>
+            <p:ph idx="1"/>
           </p:nvPr>
         </p:nvSpPr>
         <p:spPr/>
@@ -6308,58 +7186,7 @@
           <a:bodyPr/>
           <a:lstStyle/>
           <a:p>
-            <a:r>
-              <a:rPr lang="es-MX" dirty="0" smtClean="0"/>
-              <a:t>Data </a:t>
-            </a:r>
-            <a:r>
-              <a:rPr lang="es-MX" dirty="0" err="1" smtClean="0"/>
-              <a:t>Manipulation</a:t>
-            </a:r>
-            <a:r>
-              <a:rPr lang="es-MX" dirty="0" smtClean="0"/>
-              <a:t> </a:t>
-            </a:r>
-            <a:r>
-              <a:rPr lang="es-MX" dirty="0" err="1" smtClean="0"/>
-              <a:t>Language</a:t>
-            </a:r>
-            <a:r>
-              <a:rPr lang="es-MX" dirty="0" smtClean="0"/>
-              <a:t> (DML):</a:t>
-            </a:r>
-          </a:p>
-          <a:p>
-            <a:pPr lvl="1"/>
-            <a:r>
-              <a:rPr lang="es-MX" dirty="0" err="1" smtClean="0"/>
-              <a:t>Select</a:t>
-            </a:r>
-            <a:endParaRPr lang="es-MX" dirty="0" smtClean="0"/>
-          </a:p>
-          <a:p>
-            <a:pPr lvl="1"/>
-            <a:r>
-              <a:rPr lang="es-MX" dirty="0" err="1" smtClean="0"/>
-              <a:t>Insert</a:t>
-            </a:r>
-            <a:endParaRPr lang="es-MX" dirty="0" smtClean="0"/>
-          </a:p>
-          <a:p>
-            <a:pPr lvl="1"/>
-            <a:r>
-              <a:rPr lang="es-MX" dirty="0" err="1" smtClean="0"/>
-              <a:t>Delete</a:t>
-            </a:r>
-            <a:endParaRPr lang="es-MX" dirty="0" smtClean="0"/>
-          </a:p>
-          <a:p>
-            <a:pPr lvl="1"/>
-            <a:r>
-              <a:rPr lang="es-MX" dirty="0" err="1" smtClean="0"/>
-              <a:t>Update</a:t>
-            </a:r>
-            <a:endParaRPr lang="es-MX" dirty="0"/>
+            <a:endParaRPr lang="es-MX"/>
           </a:p>
         </p:txBody>
       </p:sp>
@@ -6370,7 +7197,7 @@
             <a:spLocks noGrp="1"/>
           </p:cNvSpPr>
           <p:nvPr>
-            <p:ph type="sldNum" idx="12"/>
+            <p:ph type="sldNum" sz="quarter" idx="12"/>
           </p:nvPr>
         </p:nvSpPr>
         <p:spPr/>
@@ -6395,455 +7222,64 @@
           </a:p>
         </p:txBody>
       </p:sp>
+      <p:pic>
+        <p:nvPicPr>
+          <p:cNvPr id="4098" name="Picture 2" descr="Image result for questions"/>
+          <p:cNvPicPr>
+            <a:picLocks noChangeAspect="1" noChangeArrowheads="1"/>
+          </p:cNvPicPr>
+          <p:nvPr/>
+        </p:nvPicPr>
+        <p:blipFill>
+          <a:blip r:embed="rId2">
+            <a:extLst>
+              <a:ext uri="{28A0092B-C50C-407E-A947-70E740481C1C}">
+                <a14:useLocalDpi xmlns:a14="http://schemas.microsoft.com/office/drawing/2010/main" val="0"/>
+              </a:ext>
+            </a:extLst>
+          </a:blip>
+          <a:srcRect/>
+          <a:stretch>
+            <a:fillRect/>
+          </a:stretch>
+        </p:blipFill>
+        <p:spPr bwMode="auto">
+          <a:xfrm>
+            <a:off x="-246" y="0"/>
+            <a:ext cx="9144246" cy="5122793"/>
+          </a:xfrm>
+          <a:prstGeom prst="rect">
+            <a:avLst/>
+          </a:prstGeom>
+          <a:noFill/>
+          <a:extLst>
+            <a:ext uri="{909E8E84-426E-40DD-AFC4-6F175D3DCCD1}">
+              <a14:hiddenFill xmlns:a14="http://schemas.microsoft.com/office/drawing/2010/main">
+                <a:solidFill>
+                  <a:srgbClr val="FFFFFF"/>
+                </a:solidFill>
+              </a14:hiddenFill>
+            </a:ext>
+          </a:extLst>
+        </p:spPr>
+      </p:pic>
     </p:spTree>
     <p:extLst>
       <p:ext uri="{BB962C8B-B14F-4D97-AF65-F5344CB8AC3E}">
-        <p14:creationId xmlns:p14="http://schemas.microsoft.com/office/powerpoint/2010/main" val="2296639152"/>
+        <p14:creationId xmlns:p14="http://schemas.microsoft.com/office/powerpoint/2010/main" val="3478121221"/>
       </p:ext>
     </p:extLst>
   </p:cSld>
   <p:clrMapOvr>
     <a:masterClrMapping/>
   </p:clrMapOvr>
-</p:sld>
-</file>
-
-<file path=ppt/slides/slide18.xml><?xml version="1.0" encoding="utf-8"?>
-<p:sld xmlns:a="http://schemas.openxmlformats.org/drawingml/2006/main" xmlns:r="http://schemas.openxmlformats.org/officeDocument/2006/relationships" xmlns:p="http://schemas.openxmlformats.org/presentationml/2006/main">
-  <p:cSld>
-    <p:spTree>
-      <p:nvGrpSpPr>
-        <p:cNvPr id="1" name=""/>
-        <p:cNvGrpSpPr/>
-        <p:nvPr/>
-      </p:nvGrpSpPr>
-      <p:grpSpPr>
-        <a:xfrm>
-          <a:off x="0" y="0"/>
-          <a:ext cx="0" cy="0"/>
-          <a:chOff x="0" y="0"/>
-          <a:chExt cx="0" cy="0"/>
-        </a:xfrm>
-      </p:grpSpPr>
-      <p:sp>
-        <p:nvSpPr>
-          <p:cNvPr id="2" name="Título 1"/>
-          <p:cNvSpPr>
-            <a:spLocks noGrp="1"/>
-          </p:cNvSpPr>
-          <p:nvPr>
-            <p:ph type="title"/>
-          </p:nvPr>
-        </p:nvSpPr>
-        <p:spPr/>
-        <p:txBody>
-          <a:bodyPr/>
-          <a:lstStyle/>
-          <a:p>
-            <a:r>
-              <a:rPr lang="es-MX" dirty="0" smtClean="0"/>
-              <a:t/>
-            </a:r>
-            <a:br>
-              <a:rPr lang="es-MX" dirty="0" smtClean="0"/>
-            </a:br>
-            <a:r>
-              <a:rPr lang="es-MX" dirty="0" smtClean="0"/>
-              <a:t>SELECT</a:t>
-            </a:r>
-            <a:endParaRPr lang="es-MX" dirty="0"/>
-          </a:p>
-        </p:txBody>
-      </p:sp>
-      <p:sp>
-        <p:nvSpPr>
-          <p:cNvPr id="3" name="Marcador de texto 2"/>
-          <p:cNvSpPr>
-            <a:spLocks noGrp="1"/>
-          </p:cNvSpPr>
-          <p:nvPr>
-            <p:ph type="body" idx="1"/>
-          </p:nvPr>
-        </p:nvSpPr>
-        <p:spPr/>
-        <p:txBody>
-          <a:bodyPr/>
-          <a:lstStyle/>
-          <a:p>
-            <a:r>
-              <a:rPr lang="es-MX" dirty="0" err="1" smtClean="0"/>
-              <a:t>Select</a:t>
-            </a:r>
-            <a:r>
-              <a:rPr lang="es-MX" dirty="0" smtClean="0"/>
-              <a:t> A1, A2, A3, ….., AN</a:t>
-            </a:r>
-          </a:p>
-          <a:p>
-            <a:r>
-              <a:rPr lang="es-MX" dirty="0" err="1" smtClean="0"/>
-              <a:t>From</a:t>
-            </a:r>
-            <a:r>
-              <a:rPr lang="es-MX" dirty="0" smtClean="0"/>
-              <a:t> R1</a:t>
-            </a:r>
-          </a:p>
-          <a:p>
-            <a:r>
-              <a:rPr lang="es-MX" dirty="0" smtClean="0"/>
-              <a:t>WHERE </a:t>
-            </a:r>
-            <a:r>
-              <a:rPr lang="es-MX" dirty="0" err="1" smtClean="0"/>
-              <a:t>Condition</a:t>
-            </a:r>
-            <a:endParaRPr lang="es-MX" dirty="0"/>
-          </a:p>
-        </p:txBody>
-      </p:sp>
-      <p:sp>
-        <p:nvSpPr>
-          <p:cNvPr id="4" name="Marcador de número de diapositiva 3"/>
-          <p:cNvSpPr>
-            <a:spLocks noGrp="1"/>
-          </p:cNvSpPr>
-          <p:nvPr>
-            <p:ph type="sldNum" idx="12"/>
-          </p:nvPr>
-        </p:nvSpPr>
-        <p:spPr/>
-        <p:txBody>
-          <a:bodyPr/>
-          <a:lstStyle/>
-          <a:p>
-            <a:pPr marL="0" lvl="0" indent="0">
-              <a:spcBef>
-                <a:spcPts val="0"/>
-              </a:spcBef>
-              <a:spcAft>
-                <a:spcPts val="0"/>
-              </a:spcAft>
-              <a:buNone/>
-            </a:pPr>
-            <a:fld id="{00000000-1234-1234-1234-123412341234}" type="slidenum">
-              <a:rPr lang="es-MX" smtClean="0"/>
-              <a:t>18</a:t>
-            </a:fld>
-            <a:endParaRPr lang="es-MX"/>
-          </a:p>
-        </p:txBody>
-      </p:sp>
-      <p:sp>
-        <p:nvSpPr>
-          <p:cNvPr id="5" name="Rectángulo 4"/>
-          <p:cNvSpPr/>
-          <p:nvPr/>
-        </p:nvSpPr>
-        <p:spPr>
-          <a:xfrm>
-            <a:off x="2197100" y="2324100"/>
-            <a:ext cx="2362200" cy="342900"/>
-          </a:xfrm>
-          <a:prstGeom prst="rect">
-            <a:avLst/>
-          </a:prstGeom>
-          <a:solidFill>
-            <a:srgbClr val="FF0000">
-              <a:alpha val="27059"/>
-            </a:srgbClr>
-          </a:solidFill>
-        </p:spPr>
-        <p:style>
-          <a:lnRef idx="2">
-            <a:schemeClr val="accent2">
-              <a:shade val="50000"/>
-            </a:schemeClr>
-          </a:lnRef>
-          <a:fillRef idx="1">
-            <a:schemeClr val="accent2"/>
-          </a:fillRef>
-          <a:effectRef idx="0">
-            <a:schemeClr val="accent2"/>
-          </a:effectRef>
-          <a:fontRef idx="minor">
-            <a:schemeClr val="lt1"/>
-          </a:fontRef>
-        </p:style>
-        <p:txBody>
-          <a:bodyPr rtlCol="0" anchor="ctr"/>
-          <a:lstStyle/>
-          <a:p>
-            <a:pPr algn="ctr"/>
-            <a:endParaRPr lang="es-MX"/>
-          </a:p>
-        </p:txBody>
-      </p:sp>
-      <p:sp>
-        <p:nvSpPr>
-          <p:cNvPr id="6" name="CuadroTexto 5"/>
-          <p:cNvSpPr txBox="1"/>
-          <p:nvPr/>
-        </p:nvSpPr>
-        <p:spPr>
-          <a:xfrm>
-            <a:off x="4559300" y="2324100"/>
-            <a:ext cx="1237839" cy="307777"/>
-          </a:xfrm>
-          <a:prstGeom prst="rect">
-            <a:avLst/>
-          </a:prstGeom>
-          <a:noFill/>
-        </p:spPr>
-        <p:txBody>
-          <a:bodyPr wrap="none" rtlCol="0">
-            <a:spAutoFit/>
-          </a:bodyPr>
-          <a:lstStyle/>
-          <a:p>
-            <a:r>
-              <a:rPr lang="es-MX" dirty="0" smtClean="0">
-                <a:solidFill>
-                  <a:srgbClr val="FF0000"/>
-                </a:solidFill>
-              </a:rPr>
-              <a:t>Que regresar</a:t>
-            </a:r>
-            <a:endParaRPr lang="es-MX" dirty="0">
-              <a:solidFill>
-                <a:srgbClr val="FF0000"/>
-              </a:solidFill>
-            </a:endParaRPr>
-          </a:p>
-        </p:txBody>
-      </p:sp>
-      <p:sp>
-        <p:nvSpPr>
-          <p:cNvPr id="7" name="Rectángulo 6"/>
-          <p:cNvSpPr/>
-          <p:nvPr/>
-        </p:nvSpPr>
-        <p:spPr>
-          <a:xfrm>
-            <a:off x="2057400" y="2755900"/>
-            <a:ext cx="323850" cy="342900"/>
-          </a:xfrm>
-          <a:prstGeom prst="rect">
-            <a:avLst/>
-          </a:prstGeom>
-          <a:solidFill>
-            <a:srgbClr val="FF0000">
-              <a:alpha val="27059"/>
-            </a:srgbClr>
-          </a:solidFill>
-        </p:spPr>
-        <p:style>
-          <a:lnRef idx="2">
-            <a:schemeClr val="accent2">
-              <a:shade val="50000"/>
-            </a:schemeClr>
-          </a:lnRef>
-          <a:fillRef idx="1">
-            <a:schemeClr val="accent2"/>
-          </a:fillRef>
-          <a:effectRef idx="0">
-            <a:schemeClr val="accent2"/>
-          </a:effectRef>
-          <a:fontRef idx="minor">
-            <a:schemeClr val="lt1"/>
-          </a:fontRef>
-        </p:style>
-        <p:txBody>
-          <a:bodyPr rtlCol="0" anchor="ctr"/>
-          <a:lstStyle/>
-          <a:p>
-            <a:pPr algn="ctr"/>
-            <a:endParaRPr lang="es-MX"/>
-          </a:p>
-        </p:txBody>
-      </p:sp>
-      <p:sp>
-        <p:nvSpPr>
-          <p:cNvPr id="8" name="CuadroTexto 7"/>
-          <p:cNvSpPr txBox="1"/>
-          <p:nvPr/>
-        </p:nvSpPr>
-        <p:spPr>
-          <a:xfrm>
-            <a:off x="2482850" y="2791023"/>
-            <a:ext cx="1388522" cy="307777"/>
-          </a:xfrm>
-          <a:prstGeom prst="rect">
-            <a:avLst/>
-          </a:prstGeom>
-          <a:noFill/>
-        </p:spPr>
-        <p:txBody>
-          <a:bodyPr wrap="none" rtlCol="0">
-            <a:spAutoFit/>
-          </a:bodyPr>
-          <a:lstStyle/>
-          <a:p>
-            <a:r>
-              <a:rPr lang="es-MX" dirty="0" smtClean="0">
-                <a:solidFill>
-                  <a:srgbClr val="FF0000"/>
-                </a:solidFill>
-              </a:rPr>
-              <a:t>Que relaciones</a:t>
-            </a:r>
-            <a:endParaRPr lang="es-MX" dirty="0">
-              <a:solidFill>
-                <a:srgbClr val="FF0000"/>
-              </a:solidFill>
-            </a:endParaRPr>
-          </a:p>
-        </p:txBody>
-      </p:sp>
-    </p:spTree>
-    <p:extLst>
-      <p:ext uri="{BB962C8B-B14F-4D97-AF65-F5344CB8AC3E}">
-        <p14:creationId xmlns:p14="http://schemas.microsoft.com/office/powerpoint/2010/main" val="272044911"/>
-      </p:ext>
-    </p:extLst>
-  </p:cSld>
-  <p:clrMapOvr>
-    <a:masterClrMapping/>
-  </p:clrMapOvr>
-</p:sld>
-</file>
-
-<file path=ppt/slides/slide19.xml><?xml version="1.0" encoding="utf-8"?>
-<p:sld xmlns:a="http://schemas.openxmlformats.org/drawingml/2006/main" xmlns:r="http://schemas.openxmlformats.org/officeDocument/2006/relationships" xmlns:p="http://schemas.openxmlformats.org/presentationml/2006/main">
-  <p:cSld>
-    <p:spTree>
-      <p:nvGrpSpPr>
-        <p:cNvPr id="1" name=""/>
-        <p:cNvGrpSpPr/>
-        <p:nvPr/>
-      </p:nvGrpSpPr>
-      <p:grpSpPr>
-        <a:xfrm>
-          <a:off x="0" y="0"/>
-          <a:ext cx="0" cy="0"/>
-          <a:chOff x="0" y="0"/>
-          <a:chExt cx="0" cy="0"/>
-        </a:xfrm>
-      </p:grpSpPr>
-      <p:sp>
-        <p:nvSpPr>
-          <p:cNvPr id="2" name="Título 1"/>
-          <p:cNvSpPr>
-            <a:spLocks noGrp="1"/>
-          </p:cNvSpPr>
-          <p:nvPr>
-            <p:ph type="title"/>
-          </p:nvPr>
-        </p:nvSpPr>
-        <p:spPr/>
-        <p:txBody>
-          <a:bodyPr/>
-          <a:lstStyle/>
-          <a:p>
-            <a:r>
-              <a:rPr lang="es-MX" dirty="0" smtClean="0"/>
-              <a:t>Como se ejecuta el </a:t>
-            </a:r>
-            <a:r>
-              <a:rPr lang="es-MX" dirty="0" err="1" smtClean="0"/>
-              <a:t>Query</a:t>
-            </a:r>
-            <a:r>
-              <a:rPr lang="es-MX" dirty="0" smtClean="0"/>
-              <a:t>?</a:t>
-            </a:r>
-            <a:endParaRPr lang="es-MX" dirty="0"/>
-          </a:p>
-        </p:txBody>
-      </p:sp>
-      <p:sp>
-        <p:nvSpPr>
-          <p:cNvPr id="3" name="Marcador de texto 2"/>
-          <p:cNvSpPr>
-            <a:spLocks noGrp="1"/>
-          </p:cNvSpPr>
-          <p:nvPr>
-            <p:ph type="body" idx="1"/>
-          </p:nvPr>
-        </p:nvSpPr>
-        <p:spPr/>
-        <p:txBody>
-          <a:bodyPr/>
-          <a:lstStyle/>
-          <a:p>
-            <a:r>
-              <a:rPr lang="es-MX" dirty="0" smtClean="0"/>
-              <a:t>Empezamos con la relación del FROM</a:t>
-            </a:r>
-          </a:p>
-          <a:p>
-            <a:endParaRPr lang="es-MX" dirty="0"/>
-          </a:p>
-          <a:p>
-            <a:r>
-              <a:rPr lang="es-MX" dirty="0" smtClean="0"/>
-              <a:t>Aplica la selección definida en el WHERE</a:t>
-            </a:r>
-          </a:p>
-          <a:p>
-            <a:endParaRPr lang="es-MX" dirty="0"/>
-          </a:p>
-          <a:p>
-            <a:r>
-              <a:rPr lang="es-MX" dirty="0" smtClean="0"/>
-              <a:t>Aplica la Proyección definida en el SELECT</a:t>
-            </a:r>
-            <a:endParaRPr lang="es-MX" dirty="0"/>
-          </a:p>
-        </p:txBody>
-      </p:sp>
-      <p:sp>
-        <p:nvSpPr>
-          <p:cNvPr id="4" name="Marcador de número de diapositiva 3"/>
-          <p:cNvSpPr>
-            <a:spLocks noGrp="1"/>
-          </p:cNvSpPr>
-          <p:nvPr>
-            <p:ph type="sldNum" idx="12"/>
-          </p:nvPr>
-        </p:nvSpPr>
-        <p:spPr/>
-        <p:txBody>
-          <a:bodyPr/>
-          <a:lstStyle/>
-          <a:p>
-            <a:pPr marL="0" lvl="0" indent="0">
-              <a:spcBef>
-                <a:spcPts val="0"/>
-              </a:spcBef>
-              <a:spcAft>
-                <a:spcPts val="0"/>
-              </a:spcAft>
-              <a:buNone/>
-            </a:pPr>
-            <a:fld id="{00000000-1234-1234-1234-123412341234}" type="slidenum">
-              <a:rPr lang="es-MX" smtClean="0"/>
-              <a:t>19</a:t>
-            </a:fld>
-            <a:endParaRPr lang="es-MX"/>
-          </a:p>
-        </p:txBody>
-      </p:sp>
-    </p:spTree>
-    <p:extLst>
-      <p:ext uri="{BB962C8B-B14F-4D97-AF65-F5344CB8AC3E}">
-        <p14:creationId xmlns:p14="http://schemas.microsoft.com/office/powerpoint/2010/main" val="2922040537"/>
-      </p:ext>
-    </p:extLst>
-  </p:cSld>
-  <p:clrMapOvr>
-    <a:masterClrMapping/>
-  </p:clrMapOvr>
+  <p:timing>
+    <p:tnLst>
+      <p:par>
+        <p:cTn id="1" dur="indefinite" restart="never" nodeType="tmRoot"/>
+      </p:par>
+    </p:tnLst>
+  </p:timing>
 </p:sld>
 </file>
 
@@ -6900,7 +7336,7 @@
             </a:pPr>
             <a:r>
               <a:rPr lang="es-MX" dirty="0" smtClean="0"/>
-              <a:t>Examen - Respuestas</a:t>
+              <a:t>Clase Pasada</a:t>
             </a:r>
             <a:endParaRPr lang="es-MX" dirty="0"/>
           </a:p>
@@ -7047,7 +7483,7 @@
     </p:spTree>
     <p:extLst>
       <p:ext uri="{BB962C8B-B14F-4D97-AF65-F5344CB8AC3E}">
-        <p14:creationId xmlns:p14="http://schemas.microsoft.com/office/powerpoint/2010/main" val="124962582"/>
+        <p14:creationId xmlns:p14="http://schemas.microsoft.com/office/powerpoint/2010/main" val="451370936"/>
       </p:ext>
     </p:extLst>
   </p:cSld>
@@ -7064,7 +7500,7 @@
 </p:sld>
 </file>
 
-<file path=ppt/slides/slide20.xml><?xml version="1.0" encoding="utf-8"?>
+<file path=ppt/slides/slide3.xml><?xml version="1.0" encoding="utf-8"?>
 <p:sld xmlns:a="http://schemas.openxmlformats.org/drawingml/2006/main" xmlns:r="http://schemas.openxmlformats.org/officeDocument/2006/relationships" xmlns:p="http://schemas.openxmlformats.org/presentationml/2006/main">
   <p:cSld>
     <p:spTree>
@@ -7098,7 +7534,7 @@
           <a:p>
             <a:r>
               <a:rPr lang="es-MX" dirty="0" smtClean="0"/>
-              <a:t>* En SELECT</a:t>
+              <a:t>Definición</a:t>
             </a:r>
             <a:endParaRPr lang="es-MX" dirty="0"/>
           </a:p>
@@ -7120,10 +7556,57 @@
           <a:lstStyle/>
           <a:p>
             <a:r>
-              <a:rPr lang="es-MX" dirty="0" smtClean="0"/>
-              <a:t>El * en los SELECT significa elegir todas las variables.</a:t>
-            </a:r>
-            <a:endParaRPr lang="es-MX" dirty="0"/>
+              <a:rPr lang="es-MX" sz="1800" dirty="0" smtClean="0"/>
+              <a:t>S.Q.L o “</a:t>
+            </a:r>
+            <a:r>
+              <a:rPr lang="es-MX" sz="1800" dirty="0" err="1" smtClean="0"/>
+              <a:t>Sequel</a:t>
+            </a:r>
+            <a:r>
+              <a:rPr lang="es-MX" sz="1800" dirty="0" smtClean="0"/>
+              <a:t>”</a:t>
+            </a:r>
+          </a:p>
+          <a:p>
+            <a:r>
+              <a:rPr lang="es-MX" sz="1800" dirty="0" smtClean="0"/>
+              <a:t>La mayoría de los sistemas comerciales de BD lo soportan</a:t>
+            </a:r>
+          </a:p>
+          <a:p>
+            <a:r>
+              <a:rPr lang="es-MX" sz="1800" dirty="0" smtClean="0"/>
+              <a:t>Es uno de los sistemas mejor mantenidos</a:t>
+            </a:r>
+          </a:p>
+          <a:p>
+            <a:pPr lvl="1"/>
+            <a:r>
+              <a:rPr lang="es-MX" sz="1800" dirty="0" smtClean="0"/>
+              <a:t>Tiene nuevos “</a:t>
+            </a:r>
+            <a:r>
+              <a:rPr lang="es-MX" sz="1800" dirty="0" err="1" smtClean="0"/>
+              <a:t>features</a:t>
+            </a:r>
+            <a:r>
+              <a:rPr lang="es-MX" sz="1800" dirty="0" smtClean="0"/>
+              <a:t>” todo el tiempo.</a:t>
+            </a:r>
+          </a:p>
+          <a:p>
+            <a:r>
+              <a:rPr lang="es-MX" sz="1800" dirty="0" smtClean="0"/>
+              <a:t>Tiene GUI interactiva que hace más fácil su manejo.</a:t>
+            </a:r>
+          </a:p>
+          <a:p>
+            <a:r>
+              <a:rPr lang="es-MX" sz="1800" dirty="0" smtClean="0"/>
+              <a:t>Esta basado en Álgebra relacional</a:t>
+            </a:r>
+            <a:endParaRPr lang="es-MX" sz="1800" dirty="0"/>
           </a:p>
         </p:txBody>
       </p:sp>
@@ -7153,7 +7636,7 @@
             </a:pPr>
             <a:fld id="{00000000-1234-1234-1234-123412341234}" type="slidenum">
               <a:rPr lang="es-MX" smtClean="0"/>
-              <a:t>20</a:t>
+              <a:t>3</a:t>
             </a:fld>
             <a:endParaRPr lang="es-MX"/>
           </a:p>
@@ -7162,7 +7645,7 @@
     </p:spTree>
     <p:extLst>
       <p:ext uri="{BB962C8B-B14F-4D97-AF65-F5344CB8AC3E}">
-        <p14:creationId xmlns:p14="http://schemas.microsoft.com/office/powerpoint/2010/main" val="755651194"/>
+        <p14:creationId xmlns:p14="http://schemas.microsoft.com/office/powerpoint/2010/main" val="137133224"/>
       </p:ext>
     </p:extLst>
   </p:cSld>
@@ -7172,7 +7655,7 @@
 </p:sld>
 </file>
 
-<file path=ppt/slides/slide21.xml><?xml version="1.0" encoding="utf-8"?>
+<file path=ppt/slides/slide4.xml><?xml version="1.0" encoding="utf-8"?>
 <p:sld xmlns:a="http://schemas.openxmlformats.org/drawingml/2006/main" xmlns:r="http://schemas.openxmlformats.org/officeDocument/2006/relationships" xmlns:p="http://schemas.openxmlformats.org/presentationml/2006/main">
   <p:cSld>
     <p:spTree>
@@ -7206,7 +7689,14 @@
           <a:p>
             <a:r>
               <a:rPr lang="es-MX" dirty="0" smtClean="0"/>
-              <a:t>Renombrar atributos</a:t>
+              <a:t/>
+            </a:r>
+            <a:br>
+              <a:rPr lang="es-MX" dirty="0" smtClean="0"/>
+            </a:br>
+            <a:r>
+              <a:rPr lang="es-MX" dirty="0" smtClean="0"/>
+              <a:t>SELECT</a:t>
             </a:r>
             <a:endParaRPr lang="es-MX" dirty="0"/>
           </a:p>
@@ -7228,28 +7718,32 @@
           <a:lstStyle/>
           <a:p>
             <a:r>
+              <a:rPr lang="es-MX" dirty="0" err="1" smtClean="0"/>
+              <a:t>Select</a:t>
+            </a:r>
+            <a:r>
               <a:rPr lang="es-MX" dirty="0" smtClean="0"/>
-              <a:t>Se utiliza la palabra clave AS</a:t>
-            </a:r>
-          </a:p>
-          <a:p>
+              <a:t> A1, A2, A3, ….., AN</a:t>
+            </a:r>
+          </a:p>
+          <a:p>
+            <a:r>
+              <a:rPr lang="es-MX" dirty="0" err="1" smtClean="0"/>
+              <a:t>From</a:t>
+            </a:r>
             <a:r>
               <a:rPr lang="es-MX" dirty="0" smtClean="0"/>
-              <a:t>SELECT </a:t>
+              <a:t> R1</a:t>
+            </a:r>
+          </a:p>
+          <a:p>
+            <a:r>
+              <a:rPr lang="es-MX" dirty="0" smtClean="0"/>
+              <a:t>WHERE </a:t>
             </a:r>
             <a:r>
               <a:rPr lang="es-MX" dirty="0" err="1" smtClean="0"/>
-              <a:t>name</a:t>
-            </a:r>
-            <a:r>
-              <a:rPr lang="es-MX" dirty="0" smtClean="0"/>
-              <a:t> AS estudiante, calificación</a:t>
-            </a:r>
-          </a:p>
-          <a:p>
-            <a:r>
-              <a:rPr lang="es-MX" dirty="0" smtClean="0"/>
-              <a:t>Buscamos renombrar si queremos tener una vista más intuitiva.	</a:t>
+              <a:t>Condition</a:t>
             </a:r>
             <a:endParaRPr lang="es-MX" dirty="0"/>
           </a:p>
@@ -7281,16 +7775,182 @@
             </a:pPr>
             <a:fld id="{00000000-1234-1234-1234-123412341234}" type="slidenum">
               <a:rPr lang="es-MX" smtClean="0"/>
-              <a:t>21</a:t>
+              <a:t>4</a:t>
             </a:fld>
             <a:endParaRPr lang="es-MX"/>
+          </a:p>
+        </p:txBody>
+      </p:sp>
+      <p:sp>
+        <p:nvSpPr>
+          <p:cNvPr id="5" name="Rectángulo 4"/>
+          <p:cNvSpPr/>
+          <p:nvPr/>
+        </p:nvSpPr>
+        <p:spPr>
+          <a:xfrm>
+            <a:off x="2197100" y="2324100"/>
+            <a:ext cx="2362200" cy="342900"/>
+          </a:xfrm>
+          <a:prstGeom prst="rect">
+            <a:avLst/>
+          </a:prstGeom>
+          <a:solidFill>
+            <a:srgbClr val="FF0000">
+              <a:alpha val="27059"/>
+            </a:srgbClr>
+          </a:solidFill>
+        </p:spPr>
+        <p:style>
+          <a:lnRef idx="2">
+            <a:schemeClr val="accent2">
+              <a:shade val="50000"/>
+            </a:schemeClr>
+          </a:lnRef>
+          <a:fillRef idx="1">
+            <a:schemeClr val="accent2"/>
+          </a:fillRef>
+          <a:effectRef idx="0">
+            <a:schemeClr val="accent2"/>
+          </a:effectRef>
+          <a:fontRef idx="minor">
+            <a:schemeClr val="lt1"/>
+          </a:fontRef>
+        </p:style>
+        <p:txBody>
+          <a:bodyPr rtlCol="0" anchor="ctr"/>
+          <a:lstStyle/>
+          <a:p>
+            <a:pPr algn="ctr"/>
+            <a:endParaRPr lang="es-MX"/>
+          </a:p>
+        </p:txBody>
+      </p:sp>
+      <p:sp>
+        <p:nvSpPr>
+          <p:cNvPr id="6" name="CuadroTexto 5"/>
+          <p:cNvSpPr txBox="1"/>
+          <p:nvPr/>
+        </p:nvSpPr>
+        <p:spPr>
+          <a:xfrm>
+            <a:off x="4559300" y="2324100"/>
+            <a:ext cx="1237839" cy="307777"/>
+          </a:xfrm>
+          <a:prstGeom prst="rect">
+            <a:avLst/>
+          </a:prstGeom>
+          <a:noFill/>
+        </p:spPr>
+        <p:txBody>
+          <a:bodyPr wrap="none" rtlCol="0">
+            <a:spAutoFit/>
+          </a:bodyPr>
+          <a:lstStyle/>
+          <a:p>
+            <a:r>
+              <a:rPr lang="es-MX" dirty="0" smtClean="0">
+                <a:solidFill>
+                  <a:srgbClr val="FF0000"/>
+                </a:solidFill>
+              </a:rPr>
+              <a:t>Que regresar</a:t>
+            </a:r>
+            <a:endParaRPr lang="es-MX" dirty="0">
+              <a:solidFill>
+                <a:srgbClr val="FF0000"/>
+              </a:solidFill>
+            </a:endParaRPr>
+          </a:p>
+        </p:txBody>
+      </p:sp>
+      <p:sp>
+        <p:nvSpPr>
+          <p:cNvPr id="7" name="Rectángulo 6"/>
+          <p:cNvSpPr/>
+          <p:nvPr/>
+        </p:nvSpPr>
+        <p:spPr>
+          <a:xfrm>
+            <a:off x="2057400" y="2755900"/>
+            <a:ext cx="323850" cy="342900"/>
+          </a:xfrm>
+          <a:prstGeom prst="rect">
+            <a:avLst/>
+          </a:prstGeom>
+          <a:solidFill>
+            <a:srgbClr val="FF0000">
+              <a:alpha val="27059"/>
+            </a:srgbClr>
+          </a:solidFill>
+        </p:spPr>
+        <p:style>
+          <a:lnRef idx="2">
+            <a:schemeClr val="accent2">
+              <a:shade val="50000"/>
+            </a:schemeClr>
+          </a:lnRef>
+          <a:fillRef idx="1">
+            <a:schemeClr val="accent2"/>
+          </a:fillRef>
+          <a:effectRef idx="0">
+            <a:schemeClr val="accent2"/>
+          </a:effectRef>
+          <a:fontRef idx="minor">
+            <a:schemeClr val="lt1"/>
+          </a:fontRef>
+        </p:style>
+        <p:txBody>
+          <a:bodyPr rtlCol="0" anchor="ctr"/>
+          <a:lstStyle/>
+          <a:p>
+            <a:pPr algn="ctr"/>
+            <a:endParaRPr lang="es-MX"/>
+          </a:p>
+        </p:txBody>
+      </p:sp>
+      <p:sp>
+        <p:nvSpPr>
+          <p:cNvPr id="8" name="CuadroTexto 7"/>
+          <p:cNvSpPr txBox="1"/>
+          <p:nvPr/>
+        </p:nvSpPr>
+        <p:spPr>
+          <a:xfrm>
+            <a:off x="2482850" y="2791023"/>
+            <a:ext cx="1388522" cy="307777"/>
+          </a:xfrm>
+          <a:prstGeom prst="rect">
+            <a:avLst/>
+          </a:prstGeom>
+          <a:noFill/>
+        </p:spPr>
+        <p:txBody>
+          <a:bodyPr wrap="none" rtlCol="0">
+            <a:spAutoFit/>
+          </a:bodyPr>
+          <a:lstStyle/>
+          <a:p>
+            <a:r>
+              <a:rPr lang="es-MX" dirty="0" smtClean="0">
+                <a:solidFill>
+                  <a:srgbClr val="FF0000"/>
+                </a:solidFill>
+              </a:rPr>
+              <a:t>Que relaciones</a:t>
+            </a:r>
+            <a:endParaRPr lang="es-MX" dirty="0">
+              <a:solidFill>
+                <a:srgbClr val="FF0000"/>
+              </a:solidFill>
+            </a:endParaRPr>
           </a:p>
         </p:txBody>
       </p:sp>
     </p:spTree>
     <p:extLst>
       <p:ext uri="{BB962C8B-B14F-4D97-AF65-F5344CB8AC3E}">
-        <p14:creationId xmlns:p14="http://schemas.microsoft.com/office/powerpoint/2010/main" val="4244600696"/>
+        <p14:creationId xmlns:p14="http://schemas.microsoft.com/office/powerpoint/2010/main" val="272044911"/>
       </p:ext>
     </p:extLst>
   </p:cSld>
@@ -7300,7 +7960,7 @@
 </p:sld>
 </file>
 
-<file path=ppt/slides/slide22.xml><?xml version="1.0" encoding="utf-8"?>
+<file path=ppt/slides/slide5.xml><?xml version="1.0" encoding="utf-8"?>
 <p:sld xmlns:a="http://schemas.openxmlformats.org/drawingml/2006/main" xmlns:r="http://schemas.openxmlformats.org/officeDocument/2006/relationships" xmlns:p="http://schemas.openxmlformats.org/presentationml/2006/main">
   <p:cSld>
     <p:spTree>
@@ -7334,7 +7994,7 @@
           <a:p>
             <a:r>
               <a:rPr lang="es-MX" dirty="0" smtClean="0"/>
-              <a:t>Operaciones</a:t>
+              <a:t>Patrones</a:t>
             </a:r>
             <a:endParaRPr lang="es-MX" dirty="0"/>
           </a:p>
@@ -7357,26 +8017,87 @@
           <a:p>
             <a:r>
               <a:rPr lang="es-MX" dirty="0" smtClean="0"/>
-              <a:t>Podemos colocar diferentes operaciones matemáticas:</a:t>
-            </a:r>
-          </a:p>
-          <a:p>
+              <a:t>Las instrucciones WHERE pueden tener condiciones donde la comparamos con un </a:t>
+            </a:r>
+            <a:r>
+              <a:rPr lang="es-MX" dirty="0" err="1" smtClean="0"/>
+              <a:t>string</a:t>
+            </a:r>
             <a:r>
               <a:rPr lang="es-MX" dirty="0" smtClean="0"/>
-              <a:t>SELECT estudiante, edad,</a:t>
+              <a:t>:</a:t>
             </a:r>
           </a:p>
           <a:p>
             <a:pPr lvl="1"/>
             <a:r>
               <a:rPr lang="es-MX" dirty="0" smtClean="0"/>
-              <a:t>Calificación*4/10 AS GPA</a:t>
-            </a:r>
-          </a:p>
-          <a:p>
+              <a:t>&lt;</a:t>
+            </a:r>
+            <a:r>
+              <a:rPr lang="es-MX" dirty="0" err="1" smtClean="0"/>
+              <a:t>Attributo</a:t>
+            </a:r>
             <a:r>
               <a:rPr lang="es-MX" dirty="0" smtClean="0"/>
-              <a:t>FROM Estudiantes</a:t>
+              <a:t>&gt; LIKE &lt;</a:t>
+            </a:r>
+            <a:r>
+              <a:rPr lang="es-MX" dirty="0" err="1" smtClean="0"/>
+              <a:t>Patron</a:t>
+            </a:r>
+            <a:r>
+              <a:rPr lang="es-MX" dirty="0" smtClean="0"/>
+              <a:t>&gt; o</a:t>
+            </a:r>
+          </a:p>
+          <a:p>
+            <a:pPr lvl="1"/>
+            <a:r>
+              <a:rPr lang="es-MX" dirty="0"/>
+              <a:t>&lt;</a:t>
+            </a:r>
+            <a:r>
+              <a:rPr lang="es-MX" dirty="0" err="1"/>
+              <a:t>Attributo</a:t>
+            </a:r>
+            <a:r>
+              <a:rPr lang="es-MX" dirty="0"/>
+              <a:t>&gt; </a:t>
+            </a:r>
+            <a:r>
+              <a:rPr lang="es-MX" dirty="0" smtClean="0"/>
+              <a:t>NOT LIKE </a:t>
+            </a:r>
+            <a:r>
+              <a:rPr lang="es-MX" dirty="0"/>
+              <a:t>&lt;</a:t>
+            </a:r>
+            <a:r>
+              <a:rPr lang="es-MX" dirty="0" err="1"/>
+              <a:t>Patron</a:t>
+            </a:r>
+            <a:r>
+              <a:rPr lang="es-MX" dirty="0" smtClean="0"/>
+              <a:t>&gt;</a:t>
+            </a:r>
+          </a:p>
+          <a:p>
+            <a:r>
+              <a:rPr lang="es-MX" dirty="0" err="1" smtClean="0"/>
+              <a:t>Patron</a:t>
+            </a:r>
+            <a:r>
+              <a:rPr lang="es-MX" dirty="0" smtClean="0"/>
+              <a:t> es un </a:t>
+            </a:r>
+            <a:r>
+              <a:rPr lang="es-MX" dirty="0" err="1" smtClean="0"/>
+              <a:t>string</a:t>
+            </a:r>
+            <a:r>
+              <a:rPr lang="es-MX" dirty="0" smtClean="0"/>
+              <a:t>.</a:t>
             </a:r>
             <a:endParaRPr lang="es-MX" dirty="0"/>
           </a:p>
@@ -7408,7 +8129,7 @@
             </a:pPr>
             <a:fld id="{00000000-1234-1234-1234-123412341234}" type="slidenum">
               <a:rPr lang="es-MX" smtClean="0"/>
-              <a:t>22</a:t>
+              <a:t>5</a:t>
             </a:fld>
             <a:endParaRPr lang="es-MX"/>
           </a:p>
@@ -7417,7 +8138,7 @@
     </p:spTree>
     <p:extLst>
       <p:ext uri="{BB962C8B-B14F-4D97-AF65-F5344CB8AC3E}">
-        <p14:creationId xmlns:p14="http://schemas.microsoft.com/office/powerpoint/2010/main" val="3122424657"/>
+        <p14:creationId xmlns:p14="http://schemas.microsoft.com/office/powerpoint/2010/main" val="434678498"/>
       </p:ext>
     </p:extLst>
   </p:cSld>
@@ -7427,7 +8148,7 @@
 </p:sld>
 </file>
 
-<file path=ppt/slides/slide23.xml><?xml version="1.0" encoding="utf-8"?>
+<file path=ppt/slides/slide6.xml><?xml version="1.0" encoding="utf-8"?>
 <p:sld xmlns:a="http://schemas.openxmlformats.org/drawingml/2006/main" xmlns:r="http://schemas.openxmlformats.org/officeDocument/2006/relationships" xmlns:p="http://schemas.openxmlformats.org/presentationml/2006/main">
   <p:cSld>
     <p:spTree>
@@ -7461,44 +8182,7 @@
           <a:p>
             <a:r>
               <a:rPr lang="es-MX" dirty="0" smtClean="0"/>
-              <a:t>Puntos importantes</a:t>
-            </a:r>
-            <a:endParaRPr lang="es-MX" dirty="0"/>
-          </a:p>
-        </p:txBody>
-      </p:sp>
-      <p:sp>
-        <p:nvSpPr>
-          <p:cNvPr id="3" name="Marcador de texto 2"/>
-          <p:cNvSpPr>
-            <a:spLocks noGrp="1"/>
-          </p:cNvSpPr>
-          <p:nvPr>
-            <p:ph type="body" idx="1"/>
-          </p:nvPr>
-        </p:nvSpPr>
-        <p:spPr/>
-        <p:txBody>
-          <a:bodyPr/>
-          <a:lstStyle/>
-          <a:p>
-            <a:r>
-              <a:rPr lang="es-MX" dirty="0" smtClean="0"/>
-              <a:t>En el WHERE se pueden utilizar AND, OR y NOT, así como paréntesis.</a:t>
-            </a:r>
-          </a:p>
-          <a:p>
-            <a:r>
-              <a:rPr lang="es-MX" dirty="0" smtClean="0"/>
-              <a:t>SQL es case-</a:t>
-            </a:r>
-            <a:r>
-              <a:rPr lang="es-MX" dirty="0" err="1" smtClean="0"/>
-              <a:t>insensitive</a:t>
-            </a:r>
-            <a:r>
-              <a:rPr lang="es-MX" dirty="0" smtClean="0"/>
-              <a:t>, fuera de ‘texto’ da igual si usan mayúsculas o minúsculas.</a:t>
+              <a:t>Patrones</a:t>
             </a:r>
             <a:endParaRPr lang="es-MX" dirty="0"/>
           </a:p>
@@ -7530,280 +8214,7 @@
             </a:pPr>
             <a:fld id="{00000000-1234-1234-1234-123412341234}" type="slidenum">
               <a:rPr lang="es-MX" smtClean="0"/>
-              <a:t>23</a:t>
-            </a:fld>
-            <a:endParaRPr lang="es-MX"/>
-          </a:p>
-        </p:txBody>
-      </p:sp>
-    </p:spTree>
-    <p:extLst>
-      <p:ext uri="{BB962C8B-B14F-4D97-AF65-F5344CB8AC3E}">
-        <p14:creationId xmlns:p14="http://schemas.microsoft.com/office/powerpoint/2010/main" val="3802176656"/>
-      </p:ext>
-    </p:extLst>
-  </p:cSld>
-  <p:clrMapOvr>
-    <a:masterClrMapping/>
-  </p:clrMapOvr>
-</p:sld>
-</file>
-
-<file path=ppt/slides/slide24.xml><?xml version="1.0" encoding="utf-8"?>
-<p:sld xmlns:a="http://schemas.openxmlformats.org/drawingml/2006/main" xmlns:r="http://schemas.openxmlformats.org/officeDocument/2006/relationships" xmlns:p="http://schemas.openxmlformats.org/presentationml/2006/main">
-  <p:cSld>
-    <p:spTree>
-      <p:nvGrpSpPr>
-        <p:cNvPr id="1" name=""/>
-        <p:cNvGrpSpPr/>
-        <p:nvPr/>
-      </p:nvGrpSpPr>
-      <p:grpSpPr>
-        <a:xfrm>
-          <a:off x="0" y="0"/>
-          <a:ext cx="0" cy="0"/>
-          <a:chOff x="0" y="0"/>
-          <a:chExt cx="0" cy="0"/>
-        </a:xfrm>
-      </p:grpSpPr>
-      <p:sp>
-        <p:nvSpPr>
-          <p:cNvPr id="2" name="Título 1"/>
-          <p:cNvSpPr>
-            <a:spLocks noGrp="1"/>
-          </p:cNvSpPr>
-          <p:nvPr>
-            <p:ph type="title"/>
-          </p:nvPr>
-        </p:nvSpPr>
-        <p:spPr/>
-        <p:txBody>
-          <a:bodyPr/>
-          <a:lstStyle/>
-          <a:p>
-            <a:r>
-              <a:rPr lang="es-MX" dirty="0" smtClean="0"/>
-              <a:t>Patrones</a:t>
-            </a:r>
-            <a:endParaRPr lang="es-MX" dirty="0"/>
-          </a:p>
-        </p:txBody>
-      </p:sp>
-      <p:sp>
-        <p:nvSpPr>
-          <p:cNvPr id="3" name="Marcador de texto 2"/>
-          <p:cNvSpPr>
-            <a:spLocks noGrp="1"/>
-          </p:cNvSpPr>
-          <p:nvPr>
-            <p:ph type="body" idx="1"/>
-          </p:nvPr>
-        </p:nvSpPr>
-        <p:spPr/>
-        <p:txBody>
-          <a:bodyPr/>
-          <a:lstStyle/>
-          <a:p>
-            <a:r>
-              <a:rPr lang="es-MX" dirty="0" smtClean="0"/>
-              <a:t>Las instrucciones WHERE pueden tener condiciones donde la comparamos con un </a:t>
-            </a:r>
-            <a:r>
-              <a:rPr lang="es-MX" dirty="0" err="1" smtClean="0"/>
-              <a:t>string</a:t>
-            </a:r>
-            <a:r>
-              <a:rPr lang="es-MX" dirty="0" smtClean="0"/>
-              <a:t>:</a:t>
-            </a:r>
-          </a:p>
-          <a:p>
-            <a:pPr lvl="1"/>
-            <a:r>
-              <a:rPr lang="es-MX" dirty="0" smtClean="0"/>
-              <a:t>&lt;</a:t>
-            </a:r>
-            <a:r>
-              <a:rPr lang="es-MX" dirty="0" err="1" smtClean="0"/>
-              <a:t>Attributo</a:t>
-            </a:r>
-            <a:r>
-              <a:rPr lang="es-MX" dirty="0" smtClean="0"/>
-              <a:t>&gt; LIKE &lt;</a:t>
-            </a:r>
-            <a:r>
-              <a:rPr lang="es-MX" dirty="0" err="1" smtClean="0"/>
-              <a:t>Patron</a:t>
-            </a:r>
-            <a:r>
-              <a:rPr lang="es-MX" dirty="0" smtClean="0"/>
-              <a:t>&gt; o</a:t>
-            </a:r>
-          </a:p>
-          <a:p>
-            <a:pPr lvl="1"/>
-            <a:r>
-              <a:rPr lang="es-MX" dirty="0"/>
-              <a:t>&lt;</a:t>
-            </a:r>
-            <a:r>
-              <a:rPr lang="es-MX" dirty="0" err="1"/>
-              <a:t>Attributo</a:t>
-            </a:r>
-            <a:r>
-              <a:rPr lang="es-MX" dirty="0"/>
-              <a:t>&gt; </a:t>
-            </a:r>
-            <a:r>
-              <a:rPr lang="es-MX" dirty="0" smtClean="0"/>
-              <a:t>NOT LIKE </a:t>
-            </a:r>
-            <a:r>
-              <a:rPr lang="es-MX" dirty="0"/>
-              <a:t>&lt;</a:t>
-            </a:r>
-            <a:r>
-              <a:rPr lang="es-MX" dirty="0" err="1"/>
-              <a:t>Patron</a:t>
-            </a:r>
-            <a:r>
-              <a:rPr lang="es-MX" dirty="0" smtClean="0"/>
-              <a:t>&gt;</a:t>
-            </a:r>
-          </a:p>
-          <a:p>
-            <a:r>
-              <a:rPr lang="es-MX" dirty="0" err="1" smtClean="0"/>
-              <a:t>Patron</a:t>
-            </a:r>
-            <a:r>
-              <a:rPr lang="es-MX" dirty="0" smtClean="0"/>
-              <a:t> es un </a:t>
-            </a:r>
-            <a:r>
-              <a:rPr lang="es-MX" dirty="0" err="1" smtClean="0"/>
-              <a:t>string</a:t>
-            </a:r>
-            <a:r>
-              <a:rPr lang="es-MX" dirty="0" smtClean="0"/>
-              <a:t>.</a:t>
-            </a:r>
-            <a:endParaRPr lang="es-MX" dirty="0"/>
-          </a:p>
-        </p:txBody>
-      </p:sp>
-      <p:sp>
-        <p:nvSpPr>
-          <p:cNvPr id="4" name="Marcador de número de diapositiva 3"/>
-          <p:cNvSpPr>
-            <a:spLocks noGrp="1"/>
-          </p:cNvSpPr>
-          <p:nvPr>
-            <p:ph type="sldNum" idx="12"/>
-          </p:nvPr>
-        </p:nvSpPr>
-        <p:spPr/>
-        <p:txBody>
-          <a:bodyPr/>
-          <a:lstStyle/>
-          <a:p>
-            <a:pPr marL="0" lvl="0" indent="0">
-              <a:spcBef>
-                <a:spcPts val="0"/>
-              </a:spcBef>
-              <a:spcAft>
-                <a:spcPts val="0"/>
-              </a:spcAft>
-              <a:buNone/>
-            </a:pPr>
-            <a:fld id="{00000000-1234-1234-1234-123412341234}" type="slidenum">
-              <a:rPr lang="es-MX" smtClean="0"/>
-              <a:t>24</a:t>
-            </a:fld>
-            <a:endParaRPr lang="es-MX"/>
-          </a:p>
-        </p:txBody>
-      </p:sp>
-    </p:spTree>
-    <p:extLst>
-      <p:ext uri="{BB962C8B-B14F-4D97-AF65-F5344CB8AC3E}">
-        <p14:creationId xmlns:p14="http://schemas.microsoft.com/office/powerpoint/2010/main" val="434678498"/>
-      </p:ext>
-    </p:extLst>
-  </p:cSld>
-  <p:clrMapOvr>
-    <a:masterClrMapping/>
-  </p:clrMapOvr>
-</p:sld>
-</file>
-
-<file path=ppt/slides/slide25.xml><?xml version="1.0" encoding="utf-8"?>
-<p:sld xmlns:a="http://schemas.openxmlformats.org/drawingml/2006/main" xmlns:r="http://schemas.openxmlformats.org/officeDocument/2006/relationships" xmlns:p="http://schemas.openxmlformats.org/presentationml/2006/main">
-  <p:cSld>
-    <p:spTree>
-      <p:nvGrpSpPr>
-        <p:cNvPr id="1" name=""/>
-        <p:cNvGrpSpPr/>
-        <p:nvPr/>
-      </p:nvGrpSpPr>
-      <p:grpSpPr>
-        <a:xfrm>
-          <a:off x="0" y="0"/>
-          <a:ext cx="0" cy="0"/>
-          <a:chOff x="0" y="0"/>
-          <a:chExt cx="0" cy="0"/>
-        </a:xfrm>
-      </p:grpSpPr>
-      <p:sp>
-        <p:nvSpPr>
-          <p:cNvPr id="2" name="Título 1"/>
-          <p:cNvSpPr>
-            <a:spLocks noGrp="1"/>
-          </p:cNvSpPr>
-          <p:nvPr>
-            <p:ph type="title"/>
-          </p:nvPr>
-        </p:nvSpPr>
-        <p:spPr/>
-        <p:txBody>
-          <a:bodyPr/>
-          <a:lstStyle/>
-          <a:p>
-            <a:r>
-              <a:rPr lang="es-MX" dirty="0" smtClean="0"/>
-              <a:t>Patrones</a:t>
-            </a:r>
-            <a:endParaRPr lang="es-MX" dirty="0"/>
-          </a:p>
-        </p:txBody>
-      </p:sp>
-      <p:sp>
-        <p:nvSpPr>
-          <p:cNvPr id="4" name="Marcador de número de diapositiva 3"/>
-          <p:cNvSpPr>
-            <a:spLocks noGrp="1"/>
-          </p:cNvSpPr>
-          <p:nvPr>
-            <p:ph type="sldNum" idx="12"/>
-          </p:nvPr>
-        </p:nvSpPr>
-        <p:spPr/>
-        <p:txBody>
-          <a:bodyPr/>
-          <a:lstStyle/>
-          <a:p>
-            <a:pPr marL="0" lvl="0" indent="0">
-              <a:spcBef>
-                <a:spcPts val="0"/>
-              </a:spcBef>
-              <a:spcAft>
-                <a:spcPts val="0"/>
-              </a:spcAft>
-              <a:buNone/>
-            </a:pPr>
-            <a:fld id="{00000000-1234-1234-1234-123412341234}" type="slidenum">
-              <a:rPr lang="es-MX" smtClean="0"/>
-              <a:t>25</a:t>
+              <a:t>6</a:t>
             </a:fld>
             <a:endParaRPr lang="es-MX"/>
           </a:p>
@@ -7870,7 +8281,7 @@
 </p:sld>
 </file>
 
-<file path=ppt/slides/slide26.xml><?xml version="1.0" encoding="utf-8"?>
+<file path=ppt/slides/slide7.xml><?xml version="1.0" encoding="utf-8"?>
 <p:sld xmlns:a="http://schemas.openxmlformats.org/drawingml/2006/main" xmlns:r="http://schemas.openxmlformats.org/officeDocument/2006/relationships" xmlns:p="http://schemas.openxmlformats.org/presentationml/2006/main">
   <p:cSld>
     <p:spTree>
@@ -7932,7 +8343,7 @@
             </a:pPr>
             <a:fld id="{00000000-1234-1234-1234-123412341234}" type="slidenum">
               <a:rPr lang="es-MX" smtClean="0"/>
-              <a:t>26</a:t>
+              <a:t>7</a:t>
             </a:fld>
             <a:endParaRPr lang="es-MX"/>
           </a:p>
@@ -7999,894 +8410,6 @@
 </p:sld>
 </file>
 
-<file path=ppt/slides/slide27.xml><?xml version="1.0" encoding="utf-8"?>
-<p:sld xmlns:a="http://schemas.openxmlformats.org/drawingml/2006/main" xmlns:r="http://schemas.openxmlformats.org/officeDocument/2006/relationships" xmlns:p="http://schemas.openxmlformats.org/presentationml/2006/main">
-  <p:cSld>
-    <p:spTree>
-      <p:nvGrpSpPr>
-        <p:cNvPr id="1" name=""/>
-        <p:cNvGrpSpPr/>
-        <p:nvPr/>
-      </p:nvGrpSpPr>
-      <p:grpSpPr>
-        <a:xfrm>
-          <a:off x="0" y="0"/>
-          <a:ext cx="0" cy="0"/>
-          <a:chOff x="0" y="0"/>
-          <a:chExt cx="0" cy="0"/>
-        </a:xfrm>
-      </p:grpSpPr>
-      <p:sp>
-        <p:nvSpPr>
-          <p:cNvPr id="2" name="Título 1"/>
-          <p:cNvSpPr>
-            <a:spLocks noGrp="1"/>
-          </p:cNvSpPr>
-          <p:nvPr>
-            <p:ph type="title"/>
-          </p:nvPr>
-        </p:nvSpPr>
-        <p:spPr/>
-        <p:txBody>
-          <a:bodyPr/>
-          <a:lstStyle/>
-          <a:p>
-            <a:r>
-              <a:rPr lang="es-MX" dirty="0" smtClean="0"/>
-              <a:t>Tarea</a:t>
-            </a:r>
-            <a:endParaRPr lang="es-MX" dirty="0"/>
-          </a:p>
-        </p:txBody>
-      </p:sp>
-      <p:sp>
-        <p:nvSpPr>
-          <p:cNvPr id="3" name="Marcador de texto 2"/>
-          <p:cNvSpPr>
-            <a:spLocks noGrp="1"/>
-          </p:cNvSpPr>
-          <p:nvPr>
-            <p:ph type="body" idx="1"/>
-          </p:nvPr>
-        </p:nvSpPr>
-        <p:spPr/>
-        <p:txBody>
-          <a:bodyPr/>
-          <a:lstStyle/>
-          <a:p>
-            <a:r>
-              <a:rPr lang="es-MX" dirty="0">
-                <a:hlinkClick r:id="rId2"/>
-              </a:rPr>
-              <a:t>https://</a:t>
-            </a:r>
-            <a:r>
-              <a:rPr lang="es-MX" dirty="0" smtClean="0">
-                <a:hlinkClick r:id="rId2"/>
-              </a:rPr>
-              <a:t>dev.mysql.com/doc/refman/8.0/en/mysql-indexes.html</a:t>
-            </a:r>
-            <a:endParaRPr lang="es-MX" dirty="0" smtClean="0"/>
-          </a:p>
-          <a:p>
-            <a:r>
-              <a:rPr lang="es-MX" dirty="0" smtClean="0"/>
-              <a:t>Leer y hacer un reporte:</a:t>
-            </a:r>
-          </a:p>
-          <a:p>
-            <a:pPr lvl="1"/>
-            <a:r>
-              <a:rPr lang="es-MX" dirty="0" smtClean="0"/>
-              <a:t>2 hojas máximo</a:t>
-            </a:r>
-          </a:p>
-          <a:p>
-            <a:pPr lvl="1"/>
-            <a:r>
-              <a:rPr lang="es-MX" dirty="0" smtClean="0"/>
-              <a:t>31 de Octubre</a:t>
-            </a:r>
-            <a:endParaRPr lang="es-MX" dirty="0"/>
-          </a:p>
-        </p:txBody>
-      </p:sp>
-      <p:sp>
-        <p:nvSpPr>
-          <p:cNvPr id="4" name="Marcador de número de diapositiva 3"/>
-          <p:cNvSpPr>
-            <a:spLocks noGrp="1"/>
-          </p:cNvSpPr>
-          <p:nvPr>
-            <p:ph type="sldNum" idx="12"/>
-          </p:nvPr>
-        </p:nvSpPr>
-        <p:spPr/>
-        <p:txBody>
-          <a:bodyPr/>
-          <a:lstStyle/>
-          <a:p>
-            <a:pPr marL="0" lvl="0" indent="0">
-              <a:spcBef>
-                <a:spcPts val="0"/>
-              </a:spcBef>
-              <a:spcAft>
-                <a:spcPts val="0"/>
-              </a:spcAft>
-              <a:buNone/>
-            </a:pPr>
-            <a:fld id="{00000000-1234-1234-1234-123412341234}" type="slidenum">
-              <a:rPr lang="es-MX" smtClean="0"/>
-              <a:t>27</a:t>
-            </a:fld>
-            <a:endParaRPr lang="es-MX"/>
-          </a:p>
-        </p:txBody>
-      </p:sp>
-    </p:spTree>
-    <p:extLst>
-      <p:ext uri="{BB962C8B-B14F-4D97-AF65-F5344CB8AC3E}">
-        <p14:creationId xmlns:p14="http://schemas.microsoft.com/office/powerpoint/2010/main" val="2513828940"/>
-      </p:ext>
-    </p:extLst>
-  </p:cSld>
-  <p:clrMapOvr>
-    <a:masterClrMapping/>
-  </p:clrMapOvr>
-</p:sld>
-</file>
-
-<file path=ppt/slides/slide28.xml><?xml version="1.0" encoding="utf-8"?>
-<p:sld xmlns:a="http://schemas.openxmlformats.org/drawingml/2006/main" xmlns:r="http://schemas.openxmlformats.org/officeDocument/2006/relationships" xmlns:p="http://schemas.openxmlformats.org/presentationml/2006/main">
-  <p:cSld>
-    <p:spTree>
-      <p:nvGrpSpPr>
-        <p:cNvPr id="1" name=""/>
-        <p:cNvGrpSpPr/>
-        <p:nvPr/>
-      </p:nvGrpSpPr>
-      <p:grpSpPr>
-        <a:xfrm>
-          <a:off x="0" y="0"/>
-          <a:ext cx="0" cy="0"/>
-          <a:chOff x="0" y="0"/>
-          <a:chExt cx="0" cy="0"/>
-        </a:xfrm>
-      </p:grpSpPr>
-      <p:sp>
-        <p:nvSpPr>
-          <p:cNvPr id="5" name="Título 4"/>
-          <p:cNvSpPr>
-            <a:spLocks noGrp="1"/>
-          </p:cNvSpPr>
-          <p:nvPr>
-            <p:ph type="title"/>
-          </p:nvPr>
-        </p:nvSpPr>
-        <p:spPr/>
-        <p:txBody>
-          <a:bodyPr/>
-          <a:lstStyle/>
-          <a:p>
-            <a:endParaRPr lang="es-MX"/>
-          </a:p>
-        </p:txBody>
-      </p:sp>
-      <p:sp>
-        <p:nvSpPr>
-          <p:cNvPr id="6" name="Marcador de contenido 5"/>
-          <p:cNvSpPr>
-            <a:spLocks noGrp="1"/>
-          </p:cNvSpPr>
-          <p:nvPr>
-            <p:ph idx="1"/>
-          </p:nvPr>
-        </p:nvSpPr>
-        <p:spPr/>
-        <p:txBody>
-          <a:bodyPr/>
-          <a:lstStyle/>
-          <a:p>
-            <a:endParaRPr lang="es-MX"/>
-          </a:p>
-        </p:txBody>
-      </p:sp>
-      <p:sp>
-        <p:nvSpPr>
-          <p:cNvPr id="4" name="Marcador de número de diapositiva 3"/>
-          <p:cNvSpPr>
-            <a:spLocks noGrp="1"/>
-          </p:cNvSpPr>
-          <p:nvPr>
-            <p:ph type="sldNum" sz="quarter" idx="12"/>
-          </p:nvPr>
-        </p:nvSpPr>
-        <p:spPr/>
-        <p:txBody>
-          <a:bodyPr/>
-          <a:lstStyle/>
-          <a:p>
-            <a:pPr marL="0" lvl="0" indent="0">
-              <a:spcBef>
-                <a:spcPts val="0"/>
-              </a:spcBef>
-              <a:spcAft>
-                <a:spcPts val="0"/>
-              </a:spcAft>
-              <a:buNone/>
-            </a:pPr>
-            <a:fld id="{00000000-1234-1234-1234-123412341234}" type="slidenum">
-              <a:rPr lang="es-MX" smtClean="0"/>
-              <a:t>28</a:t>
-            </a:fld>
-            <a:endParaRPr lang="es-MX"/>
-          </a:p>
-        </p:txBody>
-      </p:sp>
-      <p:pic>
-        <p:nvPicPr>
-          <p:cNvPr id="4098" name="Picture 2" descr="Image result for questions"/>
-          <p:cNvPicPr>
-            <a:picLocks noChangeAspect="1" noChangeArrowheads="1"/>
-          </p:cNvPicPr>
-          <p:nvPr/>
-        </p:nvPicPr>
-        <p:blipFill>
-          <a:blip r:embed="rId2">
-            <a:extLst>
-              <a:ext uri="{28A0092B-C50C-407E-A947-70E740481C1C}">
-                <a14:useLocalDpi xmlns:a14="http://schemas.microsoft.com/office/drawing/2010/main" val="0"/>
-              </a:ext>
-            </a:extLst>
-          </a:blip>
-          <a:srcRect/>
-          <a:stretch>
-            <a:fillRect/>
-          </a:stretch>
-        </p:blipFill>
-        <p:spPr bwMode="auto">
-          <a:xfrm>
-            <a:off x="-246" y="0"/>
-            <a:ext cx="9144246" cy="5122793"/>
-          </a:xfrm>
-          <a:prstGeom prst="rect">
-            <a:avLst/>
-          </a:prstGeom>
-          <a:noFill/>
-          <a:extLst>
-            <a:ext uri="{909E8E84-426E-40DD-AFC4-6F175D3DCCD1}">
-              <a14:hiddenFill xmlns:a14="http://schemas.microsoft.com/office/drawing/2010/main">
-                <a:solidFill>
-                  <a:srgbClr val="FFFFFF"/>
-                </a:solidFill>
-              </a14:hiddenFill>
-            </a:ext>
-          </a:extLst>
-        </p:spPr>
-      </p:pic>
-    </p:spTree>
-    <p:extLst>
-      <p:ext uri="{BB962C8B-B14F-4D97-AF65-F5344CB8AC3E}">
-        <p14:creationId xmlns:p14="http://schemas.microsoft.com/office/powerpoint/2010/main" val="3478121221"/>
-      </p:ext>
-    </p:extLst>
-  </p:cSld>
-  <p:clrMapOvr>
-    <a:masterClrMapping/>
-  </p:clrMapOvr>
-  <p:timing>
-    <p:tnLst>
-      <p:par>
-        <p:cTn id="1" dur="indefinite" restart="never" nodeType="tmRoot"/>
-      </p:par>
-    </p:tnLst>
-  </p:timing>
-</p:sld>
-</file>
-
-<file path=ppt/slides/slide3.xml><?xml version="1.0" encoding="utf-8"?>
-<p:sld xmlns:a="http://schemas.openxmlformats.org/drawingml/2006/main" xmlns:r="http://schemas.openxmlformats.org/officeDocument/2006/relationships" xmlns:p="http://schemas.openxmlformats.org/presentationml/2006/main">
-  <p:cSld>
-    <p:spTree>
-      <p:nvGrpSpPr>
-        <p:cNvPr id="1" name=""/>
-        <p:cNvGrpSpPr/>
-        <p:nvPr/>
-      </p:nvGrpSpPr>
-      <p:grpSpPr>
-        <a:xfrm>
-          <a:off x="0" y="0"/>
-          <a:ext cx="0" cy="0"/>
-          <a:chOff x="0" y="0"/>
-          <a:chExt cx="0" cy="0"/>
-        </a:xfrm>
-      </p:grpSpPr>
-      <p:sp>
-        <p:nvSpPr>
-          <p:cNvPr id="2" name="Título 1"/>
-          <p:cNvSpPr>
-            <a:spLocks noGrp="1"/>
-          </p:cNvSpPr>
-          <p:nvPr>
-            <p:ph type="title"/>
-          </p:nvPr>
-        </p:nvSpPr>
-        <p:spPr/>
-        <p:txBody>
-          <a:bodyPr/>
-          <a:lstStyle/>
-          <a:p>
-            <a:r>
-              <a:rPr lang="es-MX" dirty="0" smtClean="0"/>
-              <a:t>Examen 2</a:t>
-            </a:r>
-            <a:endParaRPr lang="es-MX" dirty="0"/>
-          </a:p>
-        </p:txBody>
-      </p:sp>
-      <p:sp>
-        <p:nvSpPr>
-          <p:cNvPr id="3" name="Marcador de texto 2"/>
-          <p:cNvSpPr>
-            <a:spLocks noGrp="1"/>
-          </p:cNvSpPr>
-          <p:nvPr>
-            <p:ph type="body" idx="1"/>
-          </p:nvPr>
-        </p:nvSpPr>
-        <p:spPr/>
-        <p:txBody>
-          <a:bodyPr/>
-          <a:lstStyle/>
-          <a:p>
-            <a:r>
-              <a:rPr lang="es-MX" dirty="0" smtClean="0"/>
-              <a:t>Elementos básicos en un álgebra</a:t>
-            </a:r>
-          </a:p>
-          <a:p>
-            <a:pPr lvl="1"/>
-            <a:r>
-              <a:rPr lang="es-MX" dirty="0" smtClean="0"/>
-              <a:t>Operador</a:t>
-            </a:r>
-          </a:p>
-          <a:p>
-            <a:pPr lvl="1"/>
-            <a:r>
-              <a:rPr lang="es-MX" dirty="0" smtClean="0"/>
-              <a:t>Operando</a:t>
-            </a:r>
-            <a:endParaRPr lang="es-MX" dirty="0"/>
-          </a:p>
-        </p:txBody>
-      </p:sp>
-      <p:sp>
-        <p:nvSpPr>
-          <p:cNvPr id="4" name="Marcador de número de diapositiva 3"/>
-          <p:cNvSpPr>
-            <a:spLocks noGrp="1"/>
-          </p:cNvSpPr>
-          <p:nvPr>
-            <p:ph type="sldNum" idx="12"/>
-          </p:nvPr>
-        </p:nvSpPr>
-        <p:spPr/>
-        <p:txBody>
-          <a:bodyPr/>
-          <a:lstStyle/>
-          <a:p>
-            <a:pPr marL="0" lvl="0" indent="0">
-              <a:spcBef>
-                <a:spcPts val="0"/>
-              </a:spcBef>
-              <a:spcAft>
-                <a:spcPts val="0"/>
-              </a:spcAft>
-              <a:buNone/>
-            </a:pPr>
-            <a:fld id="{00000000-1234-1234-1234-123412341234}" type="slidenum">
-              <a:rPr lang="es-MX" smtClean="0"/>
-              <a:t>3</a:t>
-            </a:fld>
-            <a:endParaRPr lang="es-MX"/>
-          </a:p>
-        </p:txBody>
-      </p:sp>
-    </p:spTree>
-    <p:extLst>
-      <p:ext uri="{BB962C8B-B14F-4D97-AF65-F5344CB8AC3E}">
-        <p14:creationId xmlns:p14="http://schemas.microsoft.com/office/powerpoint/2010/main" val="3759003411"/>
-      </p:ext>
-    </p:extLst>
-  </p:cSld>
-  <p:clrMapOvr>
-    <a:masterClrMapping/>
-  </p:clrMapOvr>
-</p:sld>
-</file>
-
-<file path=ppt/slides/slide4.xml><?xml version="1.0" encoding="utf-8"?>
-<p:sld xmlns:a="http://schemas.openxmlformats.org/drawingml/2006/main" xmlns:r="http://schemas.openxmlformats.org/officeDocument/2006/relationships" xmlns:p="http://schemas.openxmlformats.org/presentationml/2006/main">
-  <p:cSld>
-    <p:spTree>
-      <p:nvGrpSpPr>
-        <p:cNvPr id="1" name=""/>
-        <p:cNvGrpSpPr/>
-        <p:nvPr/>
-      </p:nvGrpSpPr>
-      <p:grpSpPr>
-        <a:xfrm>
-          <a:off x="0" y="0"/>
-          <a:ext cx="0" cy="0"/>
-          <a:chOff x="0" y="0"/>
-          <a:chExt cx="0" cy="0"/>
-        </a:xfrm>
-      </p:grpSpPr>
-      <p:sp>
-        <p:nvSpPr>
-          <p:cNvPr id="2" name="Título 1"/>
-          <p:cNvSpPr>
-            <a:spLocks noGrp="1"/>
-          </p:cNvSpPr>
-          <p:nvPr>
-            <p:ph type="title"/>
-          </p:nvPr>
-        </p:nvSpPr>
-        <p:spPr/>
-        <p:txBody>
-          <a:bodyPr/>
-          <a:lstStyle/>
-          <a:p>
-            <a:r>
-              <a:rPr lang="es-MX" dirty="0" smtClean="0"/>
-              <a:t>Examen 2</a:t>
-            </a:r>
-            <a:endParaRPr lang="es-MX" dirty="0"/>
-          </a:p>
-        </p:txBody>
-      </p:sp>
-      <p:sp>
-        <p:nvSpPr>
-          <p:cNvPr id="3" name="Marcador de texto 2"/>
-          <p:cNvSpPr>
-            <a:spLocks noGrp="1"/>
-          </p:cNvSpPr>
-          <p:nvPr>
-            <p:ph type="body" idx="1"/>
-          </p:nvPr>
-        </p:nvSpPr>
-        <p:spPr/>
-        <p:txBody>
-          <a:bodyPr/>
-          <a:lstStyle/>
-          <a:p>
-            <a:r>
-              <a:rPr lang="es-MX" dirty="0" smtClean="0"/>
-              <a:t>Operador :  a</a:t>
-            </a:r>
-          </a:p>
-          <a:p>
-            <a:r>
-              <a:rPr lang="es-MX" dirty="0" smtClean="0"/>
-              <a:t>Operando +</a:t>
-            </a:r>
-            <a:endParaRPr lang="es-MX" dirty="0"/>
-          </a:p>
-        </p:txBody>
-      </p:sp>
-      <p:sp>
-        <p:nvSpPr>
-          <p:cNvPr id="4" name="Marcador de número de diapositiva 3"/>
-          <p:cNvSpPr>
-            <a:spLocks noGrp="1"/>
-          </p:cNvSpPr>
-          <p:nvPr>
-            <p:ph type="sldNum" idx="12"/>
-          </p:nvPr>
-        </p:nvSpPr>
-        <p:spPr/>
-        <p:txBody>
-          <a:bodyPr/>
-          <a:lstStyle/>
-          <a:p>
-            <a:pPr marL="0" lvl="0" indent="0">
-              <a:spcBef>
-                <a:spcPts val="0"/>
-              </a:spcBef>
-              <a:spcAft>
-                <a:spcPts val="0"/>
-              </a:spcAft>
-              <a:buNone/>
-            </a:pPr>
-            <a:fld id="{00000000-1234-1234-1234-123412341234}" type="slidenum">
-              <a:rPr lang="es-MX" smtClean="0"/>
-              <a:t>4</a:t>
-            </a:fld>
-            <a:endParaRPr lang="es-MX"/>
-          </a:p>
-        </p:txBody>
-      </p:sp>
-    </p:spTree>
-    <p:extLst>
-      <p:ext uri="{BB962C8B-B14F-4D97-AF65-F5344CB8AC3E}">
-        <p14:creationId xmlns:p14="http://schemas.microsoft.com/office/powerpoint/2010/main" val="51523762"/>
-      </p:ext>
-    </p:extLst>
-  </p:cSld>
-  <p:clrMapOvr>
-    <a:masterClrMapping/>
-  </p:clrMapOvr>
-</p:sld>
-</file>
-
-<file path=ppt/slides/slide5.xml><?xml version="1.0" encoding="utf-8"?>
-<p:sld xmlns:a="http://schemas.openxmlformats.org/drawingml/2006/main" xmlns:r="http://schemas.openxmlformats.org/officeDocument/2006/relationships" xmlns:p="http://schemas.openxmlformats.org/presentationml/2006/main">
-  <p:cSld>
-    <p:spTree>
-      <p:nvGrpSpPr>
-        <p:cNvPr id="1" name=""/>
-        <p:cNvGrpSpPr/>
-        <p:nvPr/>
-      </p:nvGrpSpPr>
-      <p:grpSpPr>
-        <a:xfrm>
-          <a:off x="0" y="0"/>
-          <a:ext cx="0" cy="0"/>
-          <a:chOff x="0" y="0"/>
-          <a:chExt cx="0" cy="0"/>
-        </a:xfrm>
-      </p:grpSpPr>
-      <p:sp>
-        <p:nvSpPr>
-          <p:cNvPr id="2" name="Título 1"/>
-          <p:cNvSpPr>
-            <a:spLocks noGrp="1"/>
-          </p:cNvSpPr>
-          <p:nvPr>
-            <p:ph type="title"/>
-          </p:nvPr>
-        </p:nvSpPr>
-        <p:spPr/>
-        <p:txBody>
-          <a:bodyPr/>
-          <a:lstStyle/>
-          <a:p>
-            <a:endParaRPr lang="es-MX"/>
-          </a:p>
-        </p:txBody>
-      </p:sp>
-      <p:sp>
-        <p:nvSpPr>
-          <p:cNvPr id="3" name="Marcador de texto 2"/>
-          <p:cNvSpPr>
-            <a:spLocks noGrp="1"/>
-          </p:cNvSpPr>
-          <p:nvPr>
-            <p:ph type="body" idx="1"/>
-          </p:nvPr>
-        </p:nvSpPr>
-        <p:spPr/>
-        <p:txBody>
-          <a:bodyPr/>
-          <a:lstStyle/>
-          <a:p>
-            <a:r>
-              <a:rPr lang="es-MX" dirty="0" smtClean="0"/>
-              <a:t>Que es la proyección:</a:t>
-            </a:r>
-          </a:p>
-          <a:p>
-            <a:pPr lvl="1"/>
-            <a:r>
-              <a:rPr lang="es-MX" dirty="0" smtClean="0"/>
-              <a:t>Tomar los atributos definidos en una lista L</a:t>
-            </a:r>
-            <a:endParaRPr lang="es-MX" dirty="0"/>
-          </a:p>
-        </p:txBody>
-      </p:sp>
-      <p:sp>
-        <p:nvSpPr>
-          <p:cNvPr id="4" name="Marcador de número de diapositiva 3"/>
-          <p:cNvSpPr>
-            <a:spLocks noGrp="1"/>
-          </p:cNvSpPr>
-          <p:nvPr>
-            <p:ph type="sldNum" idx="12"/>
-          </p:nvPr>
-        </p:nvSpPr>
-        <p:spPr/>
-        <p:txBody>
-          <a:bodyPr/>
-          <a:lstStyle/>
-          <a:p>
-            <a:pPr marL="0" lvl="0" indent="0">
-              <a:spcBef>
-                <a:spcPts val="0"/>
-              </a:spcBef>
-              <a:spcAft>
-                <a:spcPts val="0"/>
-              </a:spcAft>
-              <a:buNone/>
-            </a:pPr>
-            <a:fld id="{00000000-1234-1234-1234-123412341234}" type="slidenum">
-              <a:rPr lang="es-MX" smtClean="0"/>
-              <a:t>5</a:t>
-            </a:fld>
-            <a:endParaRPr lang="es-MX"/>
-          </a:p>
-        </p:txBody>
-      </p:sp>
-    </p:spTree>
-    <p:extLst>
-      <p:ext uri="{BB962C8B-B14F-4D97-AF65-F5344CB8AC3E}">
-        <p14:creationId xmlns:p14="http://schemas.microsoft.com/office/powerpoint/2010/main" val="423867246"/>
-      </p:ext>
-    </p:extLst>
-  </p:cSld>
-  <p:clrMapOvr>
-    <a:masterClrMapping/>
-  </p:clrMapOvr>
-</p:sld>
-</file>
-
-<file path=ppt/slides/slide6.xml><?xml version="1.0" encoding="utf-8"?>
-<p:sld xmlns:a="http://schemas.openxmlformats.org/drawingml/2006/main" xmlns:r="http://schemas.openxmlformats.org/officeDocument/2006/relationships" xmlns:p="http://schemas.openxmlformats.org/presentationml/2006/main">
-  <p:cSld>
-    <p:spTree>
-      <p:nvGrpSpPr>
-        <p:cNvPr id="1" name=""/>
-        <p:cNvGrpSpPr/>
-        <p:nvPr/>
-      </p:nvGrpSpPr>
-      <p:grpSpPr>
-        <a:xfrm>
-          <a:off x="0" y="0"/>
-          <a:ext cx="0" cy="0"/>
-          <a:chOff x="0" y="0"/>
-          <a:chExt cx="0" cy="0"/>
-        </a:xfrm>
-      </p:grpSpPr>
-      <p:sp>
-        <p:nvSpPr>
-          <p:cNvPr id="2" name="Título 1"/>
-          <p:cNvSpPr>
-            <a:spLocks noGrp="1"/>
-          </p:cNvSpPr>
-          <p:nvPr>
-            <p:ph type="title"/>
-          </p:nvPr>
-        </p:nvSpPr>
-        <p:spPr/>
-        <p:txBody>
-          <a:bodyPr/>
-          <a:lstStyle/>
-          <a:p>
-            <a:endParaRPr lang="es-MX"/>
-          </a:p>
-        </p:txBody>
-      </p:sp>
-      <p:sp>
-        <p:nvSpPr>
-          <p:cNvPr id="3" name="Marcador de texto 2"/>
-          <p:cNvSpPr>
-            <a:spLocks noGrp="1"/>
-          </p:cNvSpPr>
-          <p:nvPr>
-            <p:ph type="body" idx="1"/>
-          </p:nvPr>
-        </p:nvSpPr>
-        <p:spPr/>
-        <p:txBody>
-          <a:bodyPr/>
-          <a:lstStyle/>
-          <a:p>
-            <a:r>
-              <a:rPr lang="es-MX" dirty="0" smtClean="0"/>
-              <a:t>3 Ejemplos prácticos de selección:</a:t>
-            </a:r>
-          </a:p>
-          <a:p>
-            <a:pPr lvl="1"/>
-            <a:r>
-              <a:rPr lang="es-MX" dirty="0" smtClean="0"/>
-              <a:t>Ver rangos de fechas</a:t>
-            </a:r>
-          </a:p>
-          <a:p>
-            <a:pPr lvl="1"/>
-            <a:r>
-              <a:rPr lang="es-MX" dirty="0" smtClean="0"/>
-              <a:t>Ver rangos de edades</a:t>
-            </a:r>
-          </a:p>
-          <a:p>
-            <a:pPr lvl="1"/>
-            <a:r>
-              <a:rPr lang="es-MX" dirty="0" smtClean="0"/>
-              <a:t>Ver localidades especificas</a:t>
-            </a:r>
-          </a:p>
-          <a:p>
-            <a:pPr marL="533400" lvl="1" indent="0">
-              <a:buNone/>
-            </a:pPr>
-            <a:endParaRPr lang="es-MX" dirty="0" smtClean="0"/>
-          </a:p>
-        </p:txBody>
-      </p:sp>
-      <p:sp>
-        <p:nvSpPr>
-          <p:cNvPr id="4" name="Marcador de número de diapositiva 3"/>
-          <p:cNvSpPr>
-            <a:spLocks noGrp="1"/>
-          </p:cNvSpPr>
-          <p:nvPr>
-            <p:ph type="sldNum" idx="12"/>
-          </p:nvPr>
-        </p:nvSpPr>
-        <p:spPr/>
-        <p:txBody>
-          <a:bodyPr/>
-          <a:lstStyle/>
-          <a:p>
-            <a:pPr marL="0" lvl="0" indent="0">
-              <a:spcBef>
-                <a:spcPts val="0"/>
-              </a:spcBef>
-              <a:spcAft>
-                <a:spcPts val="0"/>
-              </a:spcAft>
-              <a:buNone/>
-            </a:pPr>
-            <a:fld id="{00000000-1234-1234-1234-123412341234}" type="slidenum">
-              <a:rPr lang="es-MX" smtClean="0"/>
-              <a:t>6</a:t>
-            </a:fld>
-            <a:endParaRPr lang="es-MX"/>
-          </a:p>
-        </p:txBody>
-      </p:sp>
-    </p:spTree>
-    <p:extLst>
-      <p:ext uri="{BB962C8B-B14F-4D97-AF65-F5344CB8AC3E}">
-        <p14:creationId xmlns:p14="http://schemas.microsoft.com/office/powerpoint/2010/main" val="2803835518"/>
-      </p:ext>
-    </p:extLst>
-  </p:cSld>
-  <p:clrMapOvr>
-    <a:masterClrMapping/>
-  </p:clrMapOvr>
-</p:sld>
-</file>
-
-<file path=ppt/slides/slide7.xml><?xml version="1.0" encoding="utf-8"?>
-<p:sld xmlns:a="http://schemas.openxmlformats.org/drawingml/2006/main" xmlns:r="http://schemas.openxmlformats.org/officeDocument/2006/relationships" xmlns:p="http://schemas.openxmlformats.org/presentationml/2006/main">
-  <p:cSld>
-    <p:spTree>
-      <p:nvGrpSpPr>
-        <p:cNvPr id="1" name=""/>
-        <p:cNvGrpSpPr/>
-        <p:nvPr/>
-      </p:nvGrpSpPr>
-      <p:grpSpPr>
-        <a:xfrm>
-          <a:off x="0" y="0"/>
-          <a:ext cx="0" cy="0"/>
-          <a:chOff x="0" y="0"/>
-          <a:chExt cx="0" cy="0"/>
-        </a:xfrm>
-      </p:grpSpPr>
-      <p:sp>
-        <p:nvSpPr>
-          <p:cNvPr id="2" name="Título 1"/>
-          <p:cNvSpPr>
-            <a:spLocks noGrp="1"/>
-          </p:cNvSpPr>
-          <p:nvPr>
-            <p:ph type="title"/>
-          </p:nvPr>
-        </p:nvSpPr>
-        <p:spPr/>
-        <p:txBody>
-          <a:bodyPr/>
-          <a:lstStyle/>
-          <a:p>
-            <a:endParaRPr lang="es-MX"/>
-          </a:p>
-        </p:txBody>
-      </p:sp>
-      <p:sp>
-        <p:nvSpPr>
-          <p:cNvPr id="3" name="Marcador de texto 2"/>
-          <p:cNvSpPr>
-            <a:spLocks noGrp="1"/>
-          </p:cNvSpPr>
-          <p:nvPr>
-            <p:ph type="body" idx="1"/>
-          </p:nvPr>
-        </p:nvSpPr>
-        <p:spPr/>
-        <p:txBody>
-          <a:bodyPr/>
-          <a:lstStyle/>
-          <a:p>
-            <a:r>
-              <a:rPr lang="es-MX" dirty="0" smtClean="0"/>
-              <a:t>Que es una vista:</a:t>
-            </a:r>
-          </a:p>
-          <a:p>
-            <a:pPr lvl="1"/>
-            <a:r>
-              <a:rPr lang="es-MX" dirty="0" smtClean="0"/>
-              <a:t>Nueva tabla realizada a base de </a:t>
-            </a:r>
-            <a:r>
-              <a:rPr lang="es-MX" dirty="0" err="1" smtClean="0"/>
-              <a:t>Query</a:t>
-            </a:r>
-            <a:r>
-              <a:rPr lang="es-MX" dirty="0" smtClean="0"/>
-              <a:t>, ajena a la base de datos original</a:t>
-            </a:r>
-          </a:p>
-          <a:p>
-            <a:pPr lvl="1"/>
-            <a:r>
-              <a:rPr lang="es-MX" dirty="0" smtClean="0"/>
-              <a:t>No usa memoria</a:t>
-            </a:r>
-            <a:endParaRPr lang="es-MX" dirty="0"/>
-          </a:p>
-        </p:txBody>
-      </p:sp>
-      <p:sp>
-        <p:nvSpPr>
-          <p:cNvPr id="4" name="Marcador de número de diapositiva 3"/>
-          <p:cNvSpPr>
-            <a:spLocks noGrp="1"/>
-          </p:cNvSpPr>
-          <p:nvPr>
-            <p:ph type="sldNum" idx="12"/>
-          </p:nvPr>
-        </p:nvSpPr>
-        <p:spPr/>
-        <p:txBody>
-          <a:bodyPr/>
-          <a:lstStyle/>
-          <a:p>
-            <a:pPr marL="0" lvl="0" indent="0">
-              <a:spcBef>
-                <a:spcPts val="0"/>
-              </a:spcBef>
-              <a:spcAft>
-                <a:spcPts val="0"/>
-              </a:spcAft>
-              <a:buNone/>
-            </a:pPr>
-            <a:fld id="{00000000-1234-1234-1234-123412341234}" type="slidenum">
-              <a:rPr lang="es-MX" smtClean="0"/>
-              <a:t>7</a:t>
-            </a:fld>
-            <a:endParaRPr lang="es-MX"/>
-          </a:p>
-        </p:txBody>
-      </p:sp>
-    </p:spTree>
-    <p:extLst>
-      <p:ext uri="{BB962C8B-B14F-4D97-AF65-F5344CB8AC3E}">
-        <p14:creationId xmlns:p14="http://schemas.microsoft.com/office/powerpoint/2010/main" val="3245036692"/>
-      </p:ext>
-    </p:extLst>
-  </p:cSld>
-  <p:clrMapOvr>
-    <a:masterClrMapping/>
-  </p:clrMapOvr>
-</p:sld>
-</file>
-
 <file path=ppt/slides/slide8.xml><?xml version="1.0" encoding="utf-8"?>
 <p:sld xmlns:a="http://schemas.openxmlformats.org/drawingml/2006/main" xmlns:r="http://schemas.openxmlformats.org/officeDocument/2006/relationships" xmlns:p="http://schemas.openxmlformats.org/presentationml/2006/main">
   <p:cSld>
@@ -8919,7 +8442,11 @@
           <a:bodyPr/>
           <a:lstStyle/>
           <a:p>
-            <a:endParaRPr lang="es-MX"/>
+            <a:r>
+              <a:rPr lang="es-MX" dirty="0" smtClean="0"/>
+              <a:t>Tarea</a:t>
+            </a:r>
+            <a:endParaRPr lang="es-MX" dirty="0"/>
           </a:p>
         </p:txBody>
       </p:sp>
@@ -8939,29 +8466,37 @@
           <a:lstStyle/>
           <a:p>
             <a:r>
+              <a:rPr lang="es-MX" dirty="0">
+                <a:hlinkClick r:id="rId2"/>
+              </a:rPr>
+              <a:t>https://</a:t>
+            </a:r>
+            <a:r>
+              <a:rPr lang="es-MX" dirty="0" smtClean="0">
+                <a:hlinkClick r:id="rId2"/>
+              </a:rPr>
+              <a:t>dev.mysql.com/doc/refman/8.0/en/mysql-indexes.html</a:t>
+            </a:r>
+            <a:endParaRPr lang="es-MX" dirty="0" smtClean="0"/>
+          </a:p>
+          <a:p>
+            <a:r>
               <a:rPr lang="es-MX" dirty="0" smtClean="0"/>
-              <a:t>Para que creamos vistas:</a:t>
+              <a:t>Leer y hacer un reporte:</a:t>
             </a:r>
           </a:p>
           <a:p>
             <a:pPr lvl="1"/>
             <a:r>
               <a:rPr lang="es-MX" dirty="0" smtClean="0"/>
-              <a:t>Delimitar la información</a:t>
+              <a:t>2 hojas máximo</a:t>
             </a:r>
           </a:p>
           <a:p>
             <a:pPr lvl="1"/>
             <a:r>
               <a:rPr lang="es-MX" dirty="0" smtClean="0"/>
-              <a:t>Crear tablas más naturales</a:t>
-            </a:r>
-          </a:p>
-          <a:p>
-            <a:pPr lvl="1"/>
-            <a:r>
-              <a:rPr lang="es-MX" dirty="0" smtClean="0"/>
-              <a:t>Analizar la información</a:t>
+              <a:t>31 de Octubre</a:t>
             </a:r>
             <a:endParaRPr lang="es-MX" dirty="0"/>
           </a:p>
@@ -9002,7 +8537,7 @@
     </p:spTree>
     <p:extLst>
       <p:ext uri="{BB962C8B-B14F-4D97-AF65-F5344CB8AC3E}">
-        <p14:creationId xmlns:p14="http://schemas.microsoft.com/office/powerpoint/2010/main" val="3196541064"/>
+        <p14:creationId xmlns:p14="http://schemas.microsoft.com/office/powerpoint/2010/main" val="2513828940"/>
       </p:ext>
     </p:extLst>
   </p:cSld>
@@ -9017,7 +8552,7 @@
   <p:cSld>
     <p:spTree>
       <p:nvGrpSpPr>
-        <p:cNvPr id="1" name=""/>
+        <p:cNvPr id="1" name="Shape 220"/>
         <p:cNvGrpSpPr/>
         <p:nvPr/>
       </p:nvGrpSpPr>
@@ -9031,134 +8566,107 @@
       </p:grpSpPr>
       <p:sp>
         <p:nvSpPr>
-          <p:cNvPr id="2" name="Título 1"/>
-          <p:cNvSpPr>
+          <p:cNvPr id="221" name="Google Shape;221;p14"/>
+          <p:cNvSpPr txBox="1">
             <a:spLocks noGrp="1"/>
           </p:cNvSpPr>
           <p:nvPr>
-            <p:ph type="title"/>
+            <p:ph type="ctrTitle"/>
           </p:nvPr>
         </p:nvSpPr>
-        <p:spPr/>
+        <p:spPr>
+          <a:xfrm>
+            <a:off x="463525" y="2871148"/>
+            <a:ext cx="4094400" cy="1159800"/>
+          </a:xfrm>
+          <a:prstGeom prst="rect">
+            <a:avLst/>
+          </a:prstGeom>
+        </p:spPr>
         <p:txBody>
-          <a:bodyPr/>
+          <a:bodyPr spcFirstLastPara="1" wrap="square" lIns="91425" tIns="91425" rIns="91425" bIns="91425" anchor="b" anchorCtr="0">
+            <a:noAutofit/>
+          </a:bodyPr>
           <a:lstStyle/>
           <a:p>
-            <a:endParaRPr lang="es-MX"/>
+            <a:pPr marL="0" lvl="0" indent="0" rtl="0">
+              <a:spcBef>
+                <a:spcPts val="0"/>
+              </a:spcBef>
+              <a:spcAft>
+                <a:spcPts val="0"/>
+              </a:spcAft>
+              <a:buNone/>
+            </a:pPr>
+            <a:r>
+              <a:rPr lang="es-MX" dirty="0" smtClean="0"/>
+              <a:t>SQL</a:t>
+            </a:r>
+            <a:endParaRPr lang="es-MX" dirty="0"/>
           </a:p>
         </p:txBody>
       </p:sp>
       <p:sp>
         <p:nvSpPr>
-          <p:cNvPr id="3" name="Marcador de texto 2"/>
-          <p:cNvSpPr>
+          <p:cNvPr id="222" name="Google Shape;222;p14"/>
+          <p:cNvSpPr txBox="1">
             <a:spLocks noGrp="1"/>
           </p:cNvSpPr>
           <p:nvPr>
-            <p:ph type="body" idx="1"/>
+            <p:ph type="subTitle" idx="1"/>
           </p:nvPr>
         </p:nvSpPr>
-        <p:spPr/>
+        <p:spPr>
+          <a:xfrm>
+            <a:off x="463525" y="3975449"/>
+            <a:ext cx="4094400" cy="784800"/>
+          </a:xfrm>
+          <a:prstGeom prst="rect">
+            <a:avLst/>
+          </a:prstGeom>
+        </p:spPr>
         <p:txBody>
-          <a:bodyPr/>
+          <a:bodyPr spcFirstLastPara="1" wrap="square" lIns="91425" tIns="91425" rIns="91425" bIns="91425" anchor="t" anchorCtr="0">
+            <a:noAutofit/>
+          </a:bodyPr>
           <a:lstStyle/>
           <a:p>
-            <a:r>
-              <a:rPr lang="es-MX" dirty="0" smtClean="0"/>
-              <a:t>Expresión:</a:t>
-            </a:r>
-          </a:p>
-          <a:p>
-            <a:pPr lvl="1"/>
-            <a:r>
-              <a:rPr lang="es-MX" dirty="0"/>
-              <a:t>R1 := </a:t>
-            </a:r>
-            <a:r>
-              <a:rPr lang="el-GR" dirty="0" smtClean="0"/>
-              <a:t>σ</a:t>
-            </a:r>
-            <a:r>
-              <a:rPr lang="es-MX" baseline="-25000" dirty="0" smtClean="0"/>
-              <a:t>año = 2004</a:t>
-            </a:r>
-            <a:r>
-              <a:rPr lang="es-MX" dirty="0" smtClean="0"/>
-              <a:t>(</a:t>
-            </a:r>
-            <a:r>
-              <a:rPr lang="es-MX" dirty="0" err="1" smtClean="0"/>
-              <a:t>Peliculas</a:t>
-            </a:r>
-            <a:r>
-              <a:rPr lang="es-MX" dirty="0" smtClean="0"/>
-              <a:t>)</a:t>
-            </a:r>
-            <a:endParaRPr lang="es-MX" dirty="0"/>
-          </a:p>
-          <a:p>
-            <a:pPr lvl="1"/>
-            <a:r>
-              <a:rPr lang="es-MX" dirty="0" smtClean="0"/>
-              <a:t>R2 </a:t>
-            </a:r>
-            <a:r>
-              <a:rPr lang="es-MX" dirty="0"/>
-              <a:t>:= </a:t>
-            </a:r>
-            <a:r>
-              <a:rPr lang="es-MX" dirty="0" err="1" smtClean="0"/>
-              <a:t>Peliculas</a:t>
-            </a:r>
-            <a:r>
-              <a:rPr lang="es-MX" dirty="0" smtClean="0"/>
-              <a:t> </a:t>
-            </a:r>
-            <a:r>
-              <a:rPr lang="el-GR" dirty="0" smtClean="0"/>
-              <a:t>⋈</a:t>
-            </a:r>
-            <a:r>
-              <a:rPr lang="es-MX" i="1" baseline="-25000" dirty="0" err="1" smtClean="0"/>
-              <a:t>Peliculas.TituloID</a:t>
-            </a:r>
-            <a:r>
-              <a:rPr lang="es-MX" i="1" baseline="-25000" dirty="0" smtClean="0"/>
-              <a:t>=</a:t>
-            </a:r>
-            <a:r>
-              <a:rPr lang="es-MX" i="1" baseline="-25000" dirty="0" err="1" smtClean="0"/>
-              <a:t>Actores.TituloID</a:t>
-            </a:r>
-            <a:r>
-              <a:rPr lang="es-MX" dirty="0" smtClean="0"/>
-              <a:t> Actores</a:t>
-            </a:r>
-            <a:endParaRPr lang="es-MX" dirty="0"/>
-          </a:p>
-          <a:p>
-            <a:pPr lvl="1"/>
-            <a:endParaRPr lang="es-MX" dirty="0" smtClean="0"/>
-          </a:p>
-          <a:p>
-            <a:pPr lvl="1"/>
+            <a:pPr marL="0" lvl="0" indent="0" rtl="0">
+              <a:spcBef>
+                <a:spcPts val="0"/>
+              </a:spcBef>
+              <a:spcAft>
+                <a:spcPts val="1000"/>
+              </a:spcAft>
+              <a:buNone/>
+            </a:pPr>
             <a:endParaRPr lang="es-MX" dirty="0"/>
           </a:p>
         </p:txBody>
       </p:sp>
       <p:sp>
         <p:nvSpPr>
-          <p:cNvPr id="4" name="Marcador de número de diapositiva 3"/>
-          <p:cNvSpPr>
+          <p:cNvPr id="223" name="Google Shape;223;p14"/>
+          <p:cNvSpPr txBox="1">
             <a:spLocks noGrp="1"/>
           </p:cNvSpPr>
           <p:nvPr>
             <p:ph type="sldNum" idx="12"/>
           </p:nvPr>
         </p:nvSpPr>
-        <p:spPr/>
+        <p:spPr>
+          <a:xfrm>
+            <a:off x="7618000" y="4636500"/>
+            <a:ext cx="1487400" cy="315600"/>
+          </a:xfrm>
+          <a:prstGeom prst="rect">
+            <a:avLst/>
+          </a:prstGeom>
+        </p:spPr>
         <p:txBody>
-          <a:bodyPr/>
+          <a:bodyPr spcFirstLastPara="1" wrap="square" lIns="91425" tIns="91425" rIns="91425" bIns="91425" anchor="ctr" anchorCtr="0">
+            <a:noAutofit/>
+          </a:bodyPr>
           <a:lstStyle/>
           <a:p>
             <a:pPr marL="0" lvl="0" indent="0">
@@ -9171,23 +8679,88 @@
               <a:buNone/>
             </a:pPr>
             <a:fld id="{00000000-1234-1234-1234-123412341234}" type="slidenum">
-              <a:rPr lang="es-MX" smtClean="0"/>
+              <a:rPr lang="en"/>
               <a:t>9</a:t>
             </a:fld>
-            <a:endParaRPr lang="es-MX"/>
+            <a:endParaRPr/>
+          </a:p>
+        </p:txBody>
+      </p:sp>
+      <p:sp>
+        <p:nvSpPr>
+          <p:cNvPr id="224" name="Google Shape;224;p14"/>
+          <p:cNvSpPr txBox="1"/>
+          <p:nvPr/>
+        </p:nvSpPr>
+        <p:spPr>
+          <a:xfrm>
+            <a:off x="463525" y="0"/>
+            <a:ext cx="2181600" cy="3136200"/>
+          </a:xfrm>
+          <a:prstGeom prst="rect">
+            <a:avLst/>
+          </a:prstGeom>
+          <a:noFill/>
+          <a:ln>
+            <a:noFill/>
+          </a:ln>
+        </p:spPr>
+        <p:txBody>
+          <a:bodyPr spcFirstLastPara="1" wrap="square" lIns="91425" tIns="91425" rIns="91425" bIns="91425" anchor="b" anchorCtr="0">
+            <a:noAutofit/>
+          </a:bodyPr>
+          <a:lstStyle/>
+          <a:p>
+            <a:pPr marL="0" lvl="0" indent="0">
+              <a:spcBef>
+                <a:spcPts val="0"/>
+              </a:spcBef>
+              <a:spcAft>
+                <a:spcPts val="0"/>
+              </a:spcAft>
+              <a:buNone/>
+            </a:pPr>
+            <a:r>
+              <a:rPr lang="en" sz="12000" b="1" dirty="0" smtClean="0">
+                <a:solidFill>
+                  <a:srgbClr val="3F5378"/>
+                </a:solidFill>
+                <a:latin typeface="Roboto Condensed"/>
+                <a:ea typeface="Roboto Condensed"/>
+                <a:cs typeface="Roboto Condensed"/>
+                <a:sym typeface="Roboto Condensed"/>
+              </a:rPr>
+              <a:t>2</a:t>
+            </a:r>
+            <a:endParaRPr sz="3000" b="1" dirty="0">
+              <a:solidFill>
+                <a:srgbClr val="3F5378"/>
+              </a:solidFill>
+              <a:latin typeface="Roboto Condensed"/>
+              <a:ea typeface="Roboto Condensed"/>
+              <a:cs typeface="Roboto Condensed"/>
+              <a:sym typeface="Roboto Condensed"/>
+            </a:endParaRPr>
           </a:p>
         </p:txBody>
       </p:sp>
     </p:spTree>
     <p:extLst>
       <p:ext uri="{BB962C8B-B14F-4D97-AF65-F5344CB8AC3E}">
-        <p14:creationId xmlns:p14="http://schemas.microsoft.com/office/powerpoint/2010/main" val="182830607"/>
+        <p14:creationId xmlns:p14="http://schemas.microsoft.com/office/powerpoint/2010/main" val="3627901424"/>
       </p:ext>
     </p:extLst>
   </p:cSld>
   <p:clrMapOvr>
     <a:masterClrMapping/>
   </p:clrMapOvr>
+  <p:timing>
+    <p:tnLst>
+      <p:par>
+        <p:cTn id="1" dur="indefinite" restart="never" nodeType="tmRoot"/>
+      </p:par>
+    </p:tnLst>
+  </p:timing>
 </p:sld>
 </file>
 
